--- a/Courseware/Slides.pptx
+++ b/Courseware/Slides.pptx
@@ -3428,11 +3428,17 @@
             <p:ph type="title"/>
           </p:nvPr>
         </p:nvSpPr>
-        <p:spPr/>
-        <p:txBody>
-          <a:bodyPr/>
-          <a:lstStyle/>
-          <a:p>
+        <p:spPr>
+          <a:xfrm>
+            <a:off x="722313" y="2567517"/>
+            <a:ext cx="7772400" cy="1362075"/>
+          </a:xfrm>
+        </p:spPr>
+        <p:txBody>
+          <a:bodyPr/>
+          <a:lstStyle/>
+          <a:p>
+            <a:pPr algn="ctr"/>
             <a:r>
               <a:rPr lang="en-US" dirty="0" smtClean="0"/>
               <a:t>THINGS TO LEARN TODAY</a:t>
@@ -3443,20 +3449,112 @@
       </p:sp>
       <p:sp>
         <p:nvSpPr>
-          <p:cNvPr id="5" name="Text Placeholder 4"/>
-          <p:cNvSpPr>
-            <a:spLocks noGrp="1"/>
-          </p:cNvSpPr>
-          <p:nvPr>
-            <p:ph type="body" idx="1"/>
-          </p:nvPr>
-        </p:nvSpPr>
-        <p:spPr/>
-        <p:txBody>
-          <a:bodyPr/>
-          <a:lstStyle/>
-          <a:p>
-            <a:endParaRPr lang="en-US"/>
+          <p:cNvPr id="2" name="TextBox 1"/>
+          <p:cNvSpPr txBox="1"/>
+          <p:nvPr/>
+        </p:nvSpPr>
+        <p:spPr>
+          <a:xfrm>
+            <a:off x="292276" y="302469"/>
+            <a:ext cx="2704887" cy="830997"/>
+          </a:xfrm>
+          <a:prstGeom prst="rect">
+            <a:avLst/>
+          </a:prstGeom>
+          <a:noFill/>
+        </p:spPr>
+        <p:txBody>
+          <a:bodyPr wrap="none" rtlCol="0">
+            <a:spAutoFit/>
+          </a:bodyPr>
+          <a:lstStyle/>
+          <a:p>
+            <a:r>
+              <a:rPr lang="en-US" sz="2400" dirty="0" smtClean="0"/>
+              <a:t>What is Unit Testing </a:t>
+            </a:r>
+            <a:br>
+              <a:rPr lang="en-US" sz="2400" dirty="0" smtClean="0"/>
+            </a:br>
+            <a:r>
+              <a:rPr lang="en-US" sz="2400" dirty="0" smtClean="0"/>
+              <a:t>(Llewellyn way)</a:t>
+            </a:r>
+            <a:endParaRPr lang="en-US" sz="2400" dirty="0"/>
+          </a:p>
+        </p:txBody>
+      </p:sp>
+      <p:sp>
+        <p:nvSpPr>
+          <p:cNvPr id="6" name="TextBox 5"/>
+          <p:cNvSpPr txBox="1"/>
+          <p:nvPr/>
+        </p:nvSpPr>
+        <p:spPr>
+          <a:xfrm>
+            <a:off x="910187" y="1362680"/>
+            <a:ext cx="3616946" cy="830997"/>
+          </a:xfrm>
+          <a:prstGeom prst="rect">
+            <a:avLst/>
+          </a:prstGeom>
+          <a:noFill/>
+        </p:spPr>
+        <p:txBody>
+          <a:bodyPr wrap="none" rtlCol="0">
+            <a:spAutoFit/>
+          </a:bodyPr>
+          <a:lstStyle/>
+          <a:p>
+            <a:r>
+              <a:rPr lang="en-US" sz="2400" dirty="0" smtClean="0"/>
+              <a:t>What is Exploratory Testing </a:t>
+            </a:r>
+            <a:br>
+              <a:rPr lang="en-US" sz="2400" dirty="0" smtClean="0"/>
+            </a:br>
+            <a:r>
+              <a:rPr lang="en-US" sz="2400" dirty="0" smtClean="0"/>
+              <a:t>(Maaret way)</a:t>
+            </a:r>
+            <a:endParaRPr lang="en-US" sz="2400" dirty="0"/>
+          </a:p>
+        </p:txBody>
+      </p:sp>
+      <p:sp>
+        <p:nvSpPr>
+          <p:cNvPr id="3" name="TextBox 2"/>
+          <p:cNvSpPr txBox="1"/>
+          <p:nvPr/>
+        </p:nvSpPr>
+        <p:spPr>
+          <a:xfrm>
+            <a:off x="5408489" y="554416"/>
+            <a:ext cx="2754780" cy="830997"/>
+          </a:xfrm>
+          <a:prstGeom prst="rect">
+            <a:avLst/>
+          </a:prstGeom>
+          <a:noFill/>
+        </p:spPr>
+        <p:txBody>
+          <a:bodyPr wrap="none" rtlCol="0">
+            <a:spAutoFit/>
+          </a:bodyPr>
+          <a:lstStyle/>
+          <a:p>
+            <a:r>
+              <a:rPr lang="en-US" sz="2400" dirty="0" smtClean="0"/>
+              <a:t>Collaboration of two </a:t>
+            </a:r>
+            <a:br>
+              <a:rPr lang="en-US" sz="2400" dirty="0" smtClean="0"/>
+            </a:br>
+            <a:r>
+              <a:rPr lang="en-US" sz="2400" dirty="0" smtClean="0"/>
+              <a:t>different skill sets</a:t>
+            </a:r>
+            <a:endParaRPr lang="en-US" sz="2400" dirty="0"/>
           </a:p>
         </p:txBody>
       </p:sp>
@@ -3706,6 +3804,36 @@
           </a:p>
         </p:txBody>
       </p:sp>
+      <p:pic>
+        <p:nvPicPr>
+          <p:cNvPr id="2" name="Picture 1" descr="Screen Shot 2015-05-24 at 19.45.06.png"/>
+          <p:cNvPicPr>
+            <a:picLocks noChangeAspect="1"/>
+          </p:cNvPicPr>
+          <p:nvPr/>
+        </p:nvPicPr>
+        <p:blipFill>
+          <a:blip r:embed="rId2">
+            <a:extLst>
+              <a:ext uri="{28A0092B-C50C-407E-A947-70E740481C1C}">
+                <a14:useLocalDpi xmlns:a14="http://schemas.microsoft.com/office/drawing/2010/main" val="0"/>
+              </a:ext>
+            </a:extLst>
+          </a:blip>
+          <a:stretch>
+            <a:fillRect/>
+          </a:stretch>
+        </p:blipFill>
+        <p:spPr>
+          <a:xfrm>
+            <a:off x="5244101" y="3237656"/>
+            <a:ext cx="2794000" cy="1968500"/>
+          </a:xfrm>
+          <a:prstGeom prst="rect">
+            <a:avLst/>
+          </a:prstGeom>
+        </p:spPr>
+      </p:pic>
     </p:spTree>
     <p:extLst>
       <p:ext uri="{BB962C8B-B14F-4D97-AF65-F5344CB8AC3E}">

--- a/Courseware/Slides.pptx
+++ b/Courseware/Slides.pptx
@@ -8,10 +8,15 @@
     <p:sldId id="256" r:id="rId2"/>
     <p:sldId id="257" r:id="rId3"/>
     <p:sldId id="258" r:id="rId4"/>
-    <p:sldId id="260" r:id="rId5"/>
-    <p:sldId id="262" r:id="rId6"/>
-    <p:sldId id="261" r:id="rId7"/>
-    <p:sldId id="259" r:id="rId8"/>
+    <p:sldId id="263" r:id="rId5"/>
+    <p:sldId id="264" r:id="rId6"/>
+    <p:sldId id="260" r:id="rId7"/>
+    <p:sldId id="261" r:id="rId8"/>
+    <p:sldId id="266" r:id="rId9"/>
+    <p:sldId id="267" r:id="rId10"/>
+    <p:sldId id="268" r:id="rId11"/>
+    <p:sldId id="270" r:id="rId12"/>
+    <p:sldId id="269" r:id="rId13"/>
   </p:sldIdLst>
   <p:sldSz cx="9144000" cy="6858000" type="screen4x3"/>
   <p:notesSz cx="6858000" cy="9144000"/>
@@ -3192,6 +3197,742 @@
   <p:clrMapOvr>
     <a:masterClrMapping/>
   </p:clrMapOvr>
+  <p:timing>
+    <p:tnLst>
+      <p:par>
+        <p:cTn xmlns:p14="http://schemas.microsoft.com/office/powerpoint/2010/main" id="1" dur="indefinite" restart="never" nodeType="tmRoot"/>
+      </p:par>
+    </p:tnLst>
+  </p:timing>
+</p:sld>
+</file>
+
+<file path=ppt/slides/slide10.xml><?xml version="1.0" encoding="utf-8"?>
+<p:sld xmlns:a="http://schemas.openxmlformats.org/drawingml/2006/main" xmlns:r="http://schemas.openxmlformats.org/officeDocument/2006/relationships" xmlns:p="http://schemas.openxmlformats.org/presentationml/2006/main">
+  <p:cSld>
+    <p:spTree>
+      <p:nvGrpSpPr>
+        <p:cNvPr id="1" name=""/>
+        <p:cNvGrpSpPr/>
+        <p:nvPr/>
+      </p:nvGrpSpPr>
+      <p:grpSpPr>
+        <a:xfrm>
+          <a:off x="0" y="0"/>
+          <a:ext cx="0" cy="0"/>
+          <a:chOff x="0" y="0"/>
+          <a:chExt cx="0" cy="0"/>
+        </a:xfrm>
+      </p:grpSpPr>
+      <p:sp>
+        <p:nvSpPr>
+          <p:cNvPr id="3" name="Title 2"/>
+          <p:cNvSpPr>
+            <a:spLocks noGrp="1"/>
+          </p:cNvSpPr>
+          <p:nvPr>
+            <p:ph type="title"/>
+          </p:nvPr>
+        </p:nvSpPr>
+        <p:spPr/>
+        <p:txBody>
+          <a:bodyPr>
+            <a:normAutofit/>
+          </a:bodyPr>
+          <a:lstStyle/>
+          <a:p>
+            <a:r>
+              <a:rPr lang="en-US" dirty="0" smtClean="0"/>
+              <a:t>Charter 1I: Find Bugs in a Feature</a:t>
+            </a:r>
+            <a:endParaRPr lang="en-US" dirty="0"/>
+          </a:p>
+        </p:txBody>
+      </p:sp>
+      <p:sp>
+        <p:nvSpPr>
+          <p:cNvPr id="4" name="Content Placeholder 3"/>
+          <p:cNvSpPr>
+            <a:spLocks noGrp="1"/>
+          </p:cNvSpPr>
+          <p:nvPr>
+            <p:ph idx="1"/>
+          </p:nvPr>
+        </p:nvSpPr>
+        <p:spPr/>
+        <p:txBody>
+          <a:bodyPr/>
+          <a:lstStyle/>
+          <a:p>
+            <a:r>
+              <a:rPr lang="en-US" dirty="0" smtClean="0"/>
+              <a:t>Explore a feature of choice to identify bugs as in “anything that might bug a user”</a:t>
+            </a:r>
+          </a:p>
+          <a:p>
+            <a:r>
+              <a:rPr lang="en-US" dirty="0" smtClean="0"/>
+              <a:t>Report issues in “Bug database” on the wall</a:t>
+            </a:r>
+            <a:endParaRPr lang="en-US" dirty="0"/>
+          </a:p>
+        </p:txBody>
+      </p:sp>
+    </p:spTree>
+    <p:extLst>
+      <p:ext uri="{BB962C8B-B14F-4D97-AF65-F5344CB8AC3E}">
+        <p14:creationId xmlns:p14="http://schemas.microsoft.com/office/powerpoint/2010/main" val="4146125420"/>
+      </p:ext>
+    </p:extLst>
+  </p:cSld>
+  <p:clrMapOvr>
+    <a:masterClrMapping/>
+  </p:clrMapOvr>
+  <p:timing>
+    <p:tnLst>
+      <p:par>
+        <p:cTn xmlns:p14="http://schemas.microsoft.com/office/powerpoint/2010/main" id="1" dur="indefinite" restart="never" nodeType="tmRoot"/>
+      </p:par>
+    </p:tnLst>
+  </p:timing>
+</p:sld>
+</file>
+
+<file path=ppt/slides/slide11.xml><?xml version="1.0" encoding="utf-8"?>
+<p:sld xmlns:a="http://schemas.openxmlformats.org/drawingml/2006/main" xmlns:r="http://schemas.openxmlformats.org/officeDocument/2006/relationships" xmlns:p="http://schemas.openxmlformats.org/presentationml/2006/main">
+  <p:cSld>
+    <p:spTree>
+      <p:nvGrpSpPr>
+        <p:cNvPr id="1" name=""/>
+        <p:cNvGrpSpPr/>
+        <p:nvPr/>
+      </p:nvGrpSpPr>
+      <p:grpSpPr>
+        <a:xfrm>
+          <a:off x="0" y="0"/>
+          <a:ext cx="0" cy="0"/>
+          <a:chOff x="0" y="0"/>
+          <a:chExt cx="0" cy="0"/>
+        </a:xfrm>
+      </p:grpSpPr>
+      <p:sp>
+        <p:nvSpPr>
+          <p:cNvPr id="3" name="Title 2"/>
+          <p:cNvSpPr>
+            <a:spLocks noGrp="1"/>
+          </p:cNvSpPr>
+          <p:nvPr>
+            <p:ph type="title"/>
+          </p:nvPr>
+        </p:nvSpPr>
+        <p:spPr/>
+        <p:txBody>
+          <a:bodyPr>
+            <a:normAutofit/>
+          </a:bodyPr>
+          <a:lstStyle/>
+          <a:p>
+            <a:r>
+              <a:rPr lang="en-US" dirty="0" smtClean="0"/>
+              <a:t>Charter III: Exploring Code</a:t>
+            </a:r>
+            <a:endParaRPr lang="en-US" dirty="0"/>
+          </a:p>
+        </p:txBody>
+      </p:sp>
+      <p:sp>
+        <p:nvSpPr>
+          <p:cNvPr id="4" name="Content Placeholder 3"/>
+          <p:cNvSpPr>
+            <a:spLocks noGrp="1"/>
+          </p:cNvSpPr>
+          <p:nvPr>
+            <p:ph idx="1"/>
+          </p:nvPr>
+        </p:nvSpPr>
+        <p:spPr/>
+        <p:txBody>
+          <a:bodyPr/>
+          <a:lstStyle/>
+          <a:p>
+            <a:r>
+              <a:rPr lang="en-US" dirty="0" smtClean="0"/>
+              <a:t>Explore a the code to find something that </a:t>
+            </a:r>
+          </a:p>
+          <a:p>
+            <a:pPr lvl="1"/>
+            <a:r>
+              <a:rPr lang="en-US" dirty="0" smtClean="0"/>
+              <a:t>seems “unit-test-worthy” or </a:t>
+            </a:r>
+          </a:p>
+          <a:p>
+            <a:pPr lvl="1"/>
+            <a:r>
+              <a:rPr lang="en-US" dirty="0" smtClean="0"/>
+              <a:t>gives you ideas on what to test on the application that you recognize easier by seeing how it is implemented</a:t>
+            </a:r>
+          </a:p>
+          <a:p>
+            <a:r>
+              <a:rPr lang="en-US" dirty="0" smtClean="0"/>
+              <a:t>Identify tasks for the whiteboard to consider</a:t>
+            </a:r>
+          </a:p>
+        </p:txBody>
+      </p:sp>
+    </p:spTree>
+    <p:extLst>
+      <p:ext uri="{BB962C8B-B14F-4D97-AF65-F5344CB8AC3E}">
+        <p14:creationId xmlns:p14="http://schemas.microsoft.com/office/powerpoint/2010/main" val="2113375988"/>
+      </p:ext>
+    </p:extLst>
+  </p:cSld>
+  <p:clrMapOvr>
+    <a:masterClrMapping/>
+  </p:clrMapOvr>
+  <p:timing>
+    <p:tnLst>
+      <p:par>
+        <p:cTn xmlns:p14="http://schemas.microsoft.com/office/powerpoint/2010/main" id="1" dur="indefinite" restart="never" nodeType="tmRoot"/>
+      </p:par>
+    </p:tnLst>
+  </p:timing>
+</p:sld>
+</file>
+
+<file path=ppt/slides/slide12.xml><?xml version="1.0" encoding="utf-8"?>
+<p:sld xmlns:a="http://schemas.openxmlformats.org/drawingml/2006/main" xmlns:r="http://schemas.openxmlformats.org/officeDocument/2006/relationships" xmlns:p="http://schemas.openxmlformats.org/presentationml/2006/main">
+  <p:cSld>
+    <p:spTree>
+      <p:nvGrpSpPr>
+        <p:cNvPr id="1" name=""/>
+        <p:cNvGrpSpPr/>
+        <p:nvPr/>
+      </p:nvGrpSpPr>
+      <p:grpSpPr>
+        <a:xfrm>
+          <a:off x="0" y="0"/>
+          <a:ext cx="0" cy="0"/>
+          <a:chOff x="0" y="0"/>
+          <a:chExt cx="0" cy="0"/>
+        </a:xfrm>
+      </p:grpSpPr>
+      <p:sp>
+        <p:nvSpPr>
+          <p:cNvPr id="4" name="Title 3"/>
+          <p:cNvSpPr>
+            <a:spLocks noGrp="1"/>
+          </p:cNvSpPr>
+          <p:nvPr>
+            <p:ph type="title"/>
+          </p:nvPr>
+        </p:nvSpPr>
+        <p:spPr/>
+        <p:txBody>
+          <a:bodyPr/>
+          <a:lstStyle/>
+          <a:p>
+            <a:r>
+              <a:rPr lang="en-US" dirty="0" smtClean="0"/>
+              <a:t>Exploratory Testing Concepts</a:t>
+            </a:r>
+            <a:endParaRPr lang="en-US" dirty="0"/>
+          </a:p>
+        </p:txBody>
+      </p:sp>
+      <p:grpSp>
+        <p:nvGrpSpPr>
+          <p:cNvPr id="19" name="Group 18"/>
+          <p:cNvGrpSpPr/>
+          <p:nvPr/>
+        </p:nvGrpSpPr>
+        <p:grpSpPr>
+          <a:xfrm>
+            <a:off x="640601" y="1620405"/>
+            <a:ext cx="7777105" cy="4883130"/>
+            <a:chOff x="1904019" y="1620405"/>
+            <a:chExt cx="4960140" cy="4883130"/>
+          </a:xfrm>
+        </p:grpSpPr>
+        <p:sp>
+          <p:nvSpPr>
+            <p:cNvPr id="11" name="Rectangle 10"/>
+            <p:cNvSpPr/>
+            <p:nvPr/>
+          </p:nvSpPr>
+          <p:spPr>
+            <a:xfrm>
+              <a:off x="4444734" y="3776425"/>
+              <a:ext cx="2419425" cy="2727110"/>
+            </a:xfrm>
+            <a:prstGeom prst="rect">
+              <a:avLst/>
+            </a:prstGeom>
+          </p:spPr>
+          <p:style>
+            <a:lnRef idx="1">
+              <a:schemeClr val="accent4"/>
+            </a:lnRef>
+            <a:fillRef idx="3">
+              <a:schemeClr val="accent4"/>
+            </a:fillRef>
+            <a:effectRef idx="2">
+              <a:schemeClr val="accent4"/>
+            </a:effectRef>
+            <a:fontRef idx="minor">
+              <a:schemeClr val="lt1"/>
+            </a:fontRef>
+          </p:style>
+          <p:txBody>
+            <a:bodyPr rtlCol="0" anchor="b" anchorCtr="0"/>
+            <a:lstStyle/>
+            <a:p>
+              <a:r>
+                <a:rPr lang="en-US" sz="2800" i="1" dirty="0" smtClean="0"/>
+                <a:t>Concept:  Details</a:t>
+              </a:r>
+              <a:endParaRPr lang="en-US" sz="2800" i="1" dirty="0"/>
+            </a:p>
+          </p:txBody>
+        </p:sp>
+        <p:sp>
+          <p:nvSpPr>
+            <p:cNvPr id="7" name="Rectangle 6"/>
+            <p:cNvSpPr/>
+            <p:nvPr/>
+          </p:nvSpPr>
+          <p:spPr>
+            <a:xfrm>
+              <a:off x="1904019" y="1620405"/>
+              <a:ext cx="4960140" cy="1937040"/>
+            </a:xfrm>
+            <a:prstGeom prst="rect">
+              <a:avLst/>
+            </a:prstGeom>
+          </p:spPr>
+          <p:style>
+            <a:lnRef idx="1">
+              <a:schemeClr val="accent5"/>
+            </a:lnRef>
+            <a:fillRef idx="3">
+              <a:schemeClr val="accent5"/>
+            </a:fillRef>
+            <a:effectRef idx="2">
+              <a:schemeClr val="accent5"/>
+            </a:effectRef>
+            <a:fontRef idx="minor">
+              <a:schemeClr val="lt1"/>
+            </a:fontRef>
+          </p:style>
+          <p:txBody>
+            <a:bodyPr rtlCol="0" anchor="b" anchorCtr="0"/>
+            <a:lstStyle/>
+            <a:p>
+              <a:r>
+                <a:rPr lang="en-US" sz="2800" i="1" dirty="0" smtClean="0"/>
+                <a:t>Concept:  Working around an anchor point</a:t>
+              </a:r>
+              <a:endParaRPr lang="en-US" sz="2800" i="1" dirty="0"/>
+            </a:p>
+          </p:txBody>
+        </p:sp>
+        <p:sp>
+          <p:nvSpPr>
+            <p:cNvPr id="5" name="Rounded Rectangle 4"/>
+            <p:cNvSpPr/>
+            <p:nvPr/>
+          </p:nvSpPr>
+          <p:spPr>
+            <a:xfrm>
+              <a:off x="2090987" y="1773686"/>
+              <a:ext cx="2090995" cy="1302897"/>
+            </a:xfrm>
+            <a:prstGeom prst="roundRect">
+              <a:avLst/>
+            </a:prstGeom>
+          </p:spPr>
+          <p:style>
+            <a:lnRef idx="1">
+              <a:schemeClr val="accent1"/>
+            </a:lnRef>
+            <a:fillRef idx="3">
+              <a:schemeClr val="accent1"/>
+            </a:fillRef>
+            <a:effectRef idx="2">
+              <a:schemeClr val="accent1"/>
+            </a:effectRef>
+            <a:fontRef idx="minor">
+              <a:schemeClr val="lt1"/>
+            </a:fontRef>
+          </p:style>
+          <p:txBody>
+            <a:bodyPr rtlCol="0" anchor="ctr"/>
+            <a:lstStyle/>
+            <a:p>
+              <a:pPr algn="ctr"/>
+              <a:r>
+                <a:rPr lang="en-US" sz="2800" dirty="0" smtClean="0"/>
+                <a:t>Sandbox</a:t>
+              </a:r>
+              <a:endParaRPr lang="en-US" sz="2800" dirty="0"/>
+            </a:p>
+          </p:txBody>
+        </p:sp>
+        <p:sp>
+          <p:nvSpPr>
+            <p:cNvPr id="6" name="Rounded Rectangle 5"/>
+            <p:cNvSpPr/>
+            <p:nvPr/>
+          </p:nvSpPr>
+          <p:spPr>
+            <a:xfrm>
+              <a:off x="4597134" y="1773686"/>
+              <a:ext cx="2090995" cy="1302897"/>
+            </a:xfrm>
+            <a:prstGeom prst="roundRect">
+              <a:avLst/>
+            </a:prstGeom>
+          </p:spPr>
+          <p:style>
+            <a:lnRef idx="1">
+              <a:schemeClr val="accent1"/>
+            </a:lnRef>
+            <a:fillRef idx="3">
+              <a:schemeClr val="accent1"/>
+            </a:fillRef>
+            <a:effectRef idx="2">
+              <a:schemeClr val="accent1"/>
+            </a:effectRef>
+            <a:fontRef idx="minor">
+              <a:schemeClr val="lt1"/>
+            </a:fontRef>
+          </p:style>
+          <p:txBody>
+            <a:bodyPr rtlCol="0" anchor="ctr"/>
+            <a:lstStyle/>
+            <a:p>
+              <a:pPr algn="ctr"/>
+              <a:r>
+                <a:rPr lang="en-US" sz="2800" dirty="0" smtClean="0"/>
+                <a:t>Charter</a:t>
+              </a:r>
+              <a:endParaRPr lang="en-US" sz="2800" dirty="0"/>
+            </a:p>
+          </p:txBody>
+        </p:sp>
+        <p:sp>
+          <p:nvSpPr>
+            <p:cNvPr id="8" name="Rounded Rectangle 7"/>
+            <p:cNvSpPr/>
+            <p:nvPr/>
+          </p:nvSpPr>
+          <p:spPr>
+            <a:xfrm>
+              <a:off x="4597134" y="3864013"/>
+              <a:ext cx="2090995" cy="614011"/>
+            </a:xfrm>
+            <a:prstGeom prst="roundRect">
+              <a:avLst/>
+            </a:prstGeom>
+          </p:spPr>
+          <p:style>
+            <a:lnRef idx="1">
+              <a:schemeClr val="accent1"/>
+            </a:lnRef>
+            <a:fillRef idx="3">
+              <a:schemeClr val="accent1"/>
+            </a:fillRef>
+            <a:effectRef idx="2">
+              <a:schemeClr val="accent1"/>
+            </a:effectRef>
+            <a:fontRef idx="minor">
+              <a:schemeClr val="lt1"/>
+            </a:fontRef>
+          </p:style>
+          <p:txBody>
+            <a:bodyPr rtlCol="0" anchor="ctr"/>
+            <a:lstStyle/>
+            <a:p>
+              <a:pPr algn="ctr"/>
+              <a:r>
+                <a:rPr lang="en-US" sz="2800" dirty="0" smtClean="0"/>
+                <a:t>Bugs</a:t>
+              </a:r>
+              <a:endParaRPr lang="en-US" sz="2800" dirty="0"/>
+            </a:p>
+          </p:txBody>
+        </p:sp>
+        <p:sp>
+          <p:nvSpPr>
+            <p:cNvPr id="9" name="Rounded Rectangle 8"/>
+            <p:cNvSpPr/>
+            <p:nvPr/>
+          </p:nvSpPr>
+          <p:spPr>
+            <a:xfrm>
+              <a:off x="4597134" y="4630424"/>
+              <a:ext cx="2090995" cy="614011"/>
+            </a:xfrm>
+            <a:prstGeom prst="roundRect">
+              <a:avLst/>
+            </a:prstGeom>
+          </p:spPr>
+          <p:style>
+            <a:lnRef idx="1">
+              <a:schemeClr val="accent1"/>
+            </a:lnRef>
+            <a:fillRef idx="3">
+              <a:schemeClr val="accent1"/>
+            </a:fillRef>
+            <a:effectRef idx="2">
+              <a:schemeClr val="accent1"/>
+            </a:effectRef>
+            <a:fontRef idx="minor">
+              <a:schemeClr val="lt1"/>
+            </a:fontRef>
+          </p:style>
+          <p:txBody>
+            <a:bodyPr rtlCol="0" anchor="ctr"/>
+            <a:lstStyle/>
+            <a:p>
+              <a:pPr algn="ctr"/>
+              <a:r>
+                <a:rPr lang="en-US" sz="2800" dirty="0" smtClean="0"/>
+                <a:t>Questions</a:t>
+              </a:r>
+              <a:endParaRPr lang="en-US" sz="2800" dirty="0"/>
+            </a:p>
+          </p:txBody>
+        </p:sp>
+        <p:sp>
+          <p:nvSpPr>
+            <p:cNvPr id="10" name="Rounded Rectangle 9"/>
+            <p:cNvSpPr/>
+            <p:nvPr/>
+          </p:nvSpPr>
+          <p:spPr>
+            <a:xfrm>
+              <a:off x="4597134" y="5396835"/>
+              <a:ext cx="2090995" cy="614011"/>
+            </a:xfrm>
+            <a:prstGeom prst="roundRect">
+              <a:avLst/>
+            </a:prstGeom>
+          </p:spPr>
+          <p:style>
+            <a:lnRef idx="1">
+              <a:schemeClr val="accent1"/>
+            </a:lnRef>
+            <a:fillRef idx="3">
+              <a:schemeClr val="accent1"/>
+            </a:fillRef>
+            <a:effectRef idx="2">
+              <a:schemeClr val="accent1"/>
+            </a:effectRef>
+            <a:fontRef idx="minor">
+              <a:schemeClr val="lt1"/>
+            </a:fontRef>
+          </p:style>
+          <p:txBody>
+            <a:bodyPr rtlCol="0" anchor="ctr"/>
+            <a:lstStyle/>
+            <a:p>
+              <a:pPr algn="ctr"/>
+              <a:r>
+                <a:rPr lang="en-US" sz="2800" dirty="0" smtClean="0"/>
+                <a:t>Automation ideas</a:t>
+              </a:r>
+              <a:endParaRPr lang="en-US" sz="2800" dirty="0"/>
+            </a:p>
+          </p:txBody>
+        </p:sp>
+        <p:sp>
+          <p:nvSpPr>
+            <p:cNvPr id="12" name="Rectangle 11"/>
+            <p:cNvSpPr/>
+            <p:nvPr/>
+          </p:nvSpPr>
+          <p:spPr>
+            <a:xfrm>
+              <a:off x="1904019" y="3776425"/>
+              <a:ext cx="2419425" cy="2727110"/>
+            </a:xfrm>
+            <a:prstGeom prst="rect">
+              <a:avLst/>
+            </a:prstGeom>
+          </p:spPr>
+          <p:style>
+            <a:lnRef idx="1">
+              <a:schemeClr val="accent3"/>
+            </a:lnRef>
+            <a:fillRef idx="3">
+              <a:schemeClr val="accent3"/>
+            </a:fillRef>
+            <a:effectRef idx="2">
+              <a:schemeClr val="accent3"/>
+            </a:effectRef>
+            <a:fontRef idx="minor">
+              <a:schemeClr val="lt1"/>
+            </a:fontRef>
+          </p:style>
+          <p:txBody>
+            <a:bodyPr rtlCol="0" anchor="b" anchorCtr="0"/>
+            <a:lstStyle/>
+            <a:p>
+              <a:r>
+                <a:rPr lang="en-US" sz="2800" i="1" dirty="0" smtClean="0"/>
+                <a:t>Concept:  Continuous Plan</a:t>
+              </a:r>
+              <a:endParaRPr lang="en-US" sz="2800" i="1" dirty="0"/>
+            </a:p>
+          </p:txBody>
+        </p:sp>
+        <p:sp>
+          <p:nvSpPr>
+            <p:cNvPr id="13" name="Rounded Rectangle 12"/>
+            <p:cNvSpPr/>
+            <p:nvPr/>
+          </p:nvSpPr>
+          <p:spPr>
+            <a:xfrm>
+              <a:off x="2111157" y="3864013"/>
+              <a:ext cx="2090995" cy="614011"/>
+            </a:xfrm>
+            <a:prstGeom prst="roundRect">
+              <a:avLst/>
+            </a:prstGeom>
+          </p:spPr>
+          <p:style>
+            <a:lnRef idx="1">
+              <a:schemeClr val="accent1"/>
+            </a:lnRef>
+            <a:fillRef idx="3">
+              <a:schemeClr val="accent1"/>
+            </a:fillRef>
+            <a:effectRef idx="2">
+              <a:schemeClr val="accent1"/>
+            </a:effectRef>
+            <a:fontRef idx="minor">
+              <a:schemeClr val="lt1"/>
+            </a:fontRef>
+          </p:style>
+          <p:txBody>
+            <a:bodyPr rtlCol="0" anchor="ctr"/>
+            <a:lstStyle/>
+            <a:p>
+              <a:pPr algn="ctr"/>
+              <a:r>
+                <a:rPr lang="en-US" sz="2800" dirty="0" smtClean="0"/>
+                <a:t>Charters</a:t>
+              </a:r>
+              <a:endParaRPr lang="en-US" sz="2800" dirty="0"/>
+            </a:p>
+          </p:txBody>
+        </p:sp>
+        <p:sp>
+          <p:nvSpPr>
+            <p:cNvPr id="14" name="Rounded Rectangle 13"/>
+            <p:cNvSpPr/>
+            <p:nvPr/>
+          </p:nvSpPr>
+          <p:spPr>
+            <a:xfrm>
+              <a:off x="2111157" y="4630424"/>
+              <a:ext cx="2090995" cy="614011"/>
+            </a:xfrm>
+            <a:prstGeom prst="roundRect">
+              <a:avLst/>
+            </a:prstGeom>
+          </p:spPr>
+          <p:style>
+            <a:lnRef idx="1">
+              <a:schemeClr val="accent1"/>
+            </a:lnRef>
+            <a:fillRef idx="3">
+              <a:schemeClr val="accent1"/>
+            </a:fillRef>
+            <a:effectRef idx="2">
+              <a:schemeClr val="accent1"/>
+            </a:effectRef>
+            <a:fontRef idx="minor">
+              <a:schemeClr val="lt1"/>
+            </a:fontRef>
+          </p:style>
+          <p:txBody>
+            <a:bodyPr rtlCol="0" anchor="ctr"/>
+            <a:lstStyle/>
+            <a:p>
+              <a:pPr algn="ctr"/>
+              <a:r>
+                <a:rPr lang="en-US" sz="2800" dirty="0" smtClean="0"/>
+                <a:t>Functionality outline</a:t>
+              </a:r>
+              <a:endParaRPr lang="en-US" sz="2800" dirty="0"/>
+            </a:p>
+          </p:txBody>
+        </p:sp>
+        <p:sp>
+          <p:nvSpPr>
+            <p:cNvPr id="18" name="Rounded Rectangle 17"/>
+            <p:cNvSpPr/>
+            <p:nvPr/>
+          </p:nvSpPr>
+          <p:spPr>
+            <a:xfrm>
+              <a:off x="2090987" y="5396835"/>
+              <a:ext cx="2090995" cy="614011"/>
+            </a:xfrm>
+            <a:prstGeom prst="roundRect">
+              <a:avLst/>
+            </a:prstGeom>
+          </p:spPr>
+          <p:style>
+            <a:lnRef idx="1">
+              <a:schemeClr val="accent6"/>
+            </a:lnRef>
+            <a:fillRef idx="3">
+              <a:schemeClr val="accent6"/>
+            </a:fillRef>
+            <a:effectRef idx="2">
+              <a:schemeClr val="accent6"/>
+            </a:effectRef>
+            <a:fontRef idx="minor">
+              <a:schemeClr val="lt1"/>
+            </a:fontRef>
+          </p:style>
+          <p:txBody>
+            <a:bodyPr rtlCol="0" anchor="ctr"/>
+            <a:lstStyle/>
+            <a:p>
+              <a:pPr algn="ctr"/>
+              <a:r>
+                <a:rPr lang="en-US" sz="2800" dirty="0" smtClean="0"/>
+                <a:t>What am I learning?</a:t>
+              </a:r>
+              <a:endParaRPr lang="en-US" sz="2800" dirty="0"/>
+            </a:p>
+          </p:txBody>
+        </p:sp>
+      </p:grpSp>
+    </p:spTree>
+    <p:extLst>
+      <p:ext uri="{BB962C8B-B14F-4D97-AF65-F5344CB8AC3E}">
+        <p14:creationId xmlns:p14="http://schemas.microsoft.com/office/powerpoint/2010/main" val="1616143955"/>
+      </p:ext>
+    </p:extLst>
+  </p:cSld>
+  <p:clrMapOvr>
+    <a:masterClrMapping/>
+  </p:clrMapOvr>
+  <p:timing>
+    <p:tnLst>
+      <p:par>
+        <p:cTn xmlns:p14="http://schemas.microsoft.com/office/powerpoint/2010/main" id="1" dur="indefinite" restart="never" nodeType="tmRoot"/>
+      </p:par>
+    </p:tnLst>
+  </p:timing>
 </p:sld>
 </file>
 
@@ -3388,6 +4129,45 @@
           </a:p>
         </p:txBody>
       </p:sp>
+      <p:sp>
+        <p:nvSpPr>
+          <p:cNvPr id="2" name="TextBox 1"/>
+          <p:cNvSpPr txBox="1"/>
+          <p:nvPr/>
+        </p:nvSpPr>
+        <p:spPr>
+          <a:xfrm>
+            <a:off x="3554102" y="5629101"/>
+            <a:ext cx="2182133" cy="646331"/>
+          </a:xfrm>
+          <a:prstGeom prst="rect">
+            <a:avLst/>
+          </a:prstGeom>
+          <a:noFill/>
+        </p:spPr>
+        <p:txBody>
+          <a:bodyPr wrap="none" rtlCol="0">
+            <a:spAutoFit/>
+          </a:bodyPr>
+          <a:lstStyle/>
+          <a:p>
+            <a:pPr algn="ctr"/>
+            <a:r>
+              <a:rPr lang="en-US" sz="3600" b="1" dirty="0" smtClean="0">
+                <a:solidFill>
+                  <a:schemeClr val="accent3"/>
+                </a:solidFill>
+              </a:rPr>
+              <a:t>PAIRING</a:t>
+            </a:r>
+            <a:endParaRPr lang="en-US" sz="3600" b="1" dirty="0">
+              <a:solidFill>
+                <a:schemeClr val="accent3"/>
+              </a:solidFill>
+            </a:endParaRPr>
+          </a:p>
+        </p:txBody>
+      </p:sp>
     </p:spTree>
     <p:extLst>
       <p:ext uri="{BB962C8B-B14F-4D97-AF65-F5344CB8AC3E}">
@@ -3398,6 +4178,13 @@
   <p:clrMapOvr>
     <a:masterClrMapping/>
   </p:clrMapOvr>
+  <p:timing>
+    <p:tnLst>
+      <p:par>
+        <p:cTn xmlns:p14="http://schemas.microsoft.com/office/powerpoint/2010/main" id="1" dur="indefinite" restart="never" nodeType="tmRoot"/>
+      </p:par>
+    </p:tnLst>
+  </p:timing>
 </p:sld>
 </file>
 
@@ -3558,6 +4345,132 @@
           </a:p>
         </p:txBody>
       </p:sp>
+      <p:sp>
+        <p:nvSpPr>
+          <p:cNvPr id="8" name="TextBox 7"/>
+          <p:cNvSpPr txBox="1"/>
+          <p:nvPr/>
+        </p:nvSpPr>
+        <p:spPr>
+          <a:xfrm>
+            <a:off x="469806" y="3929592"/>
+            <a:ext cx="2264863" cy="461665"/>
+          </a:xfrm>
+          <a:prstGeom prst="rect">
+            <a:avLst/>
+          </a:prstGeom>
+          <a:noFill/>
+        </p:spPr>
+        <p:txBody>
+          <a:bodyPr wrap="none" rtlCol="0">
+            <a:spAutoFit/>
+          </a:bodyPr>
+          <a:lstStyle/>
+          <a:p>
+            <a:r>
+              <a:rPr lang="en-US" sz="2400" dirty="0" smtClean="0"/>
+              <a:t>Types of Insights</a:t>
+            </a:r>
+            <a:endParaRPr lang="en-US" sz="2400" dirty="0"/>
+          </a:p>
+        </p:txBody>
+      </p:sp>
+      <p:sp>
+        <p:nvSpPr>
+          <p:cNvPr id="9" name="TextBox 8"/>
+          <p:cNvSpPr txBox="1"/>
+          <p:nvPr/>
+        </p:nvSpPr>
+        <p:spPr>
+          <a:xfrm>
+            <a:off x="4128647" y="3851159"/>
+            <a:ext cx="3399188" cy="461665"/>
+          </a:xfrm>
+          <a:prstGeom prst="rect">
+            <a:avLst/>
+          </a:prstGeom>
+          <a:noFill/>
+        </p:spPr>
+        <p:txBody>
+          <a:bodyPr wrap="none" rtlCol="0">
+            <a:spAutoFit/>
+          </a:bodyPr>
+          <a:lstStyle/>
+          <a:p>
+            <a:r>
+              <a:rPr lang="en-US" sz="2400" dirty="0" smtClean="0"/>
+              <a:t>Doing Exploratory Testing</a:t>
+            </a:r>
+          </a:p>
+        </p:txBody>
+      </p:sp>
+      <p:sp>
+        <p:nvSpPr>
+          <p:cNvPr id="10" name="TextBox 9"/>
+          <p:cNvSpPr txBox="1"/>
+          <p:nvPr/>
+        </p:nvSpPr>
+        <p:spPr>
+          <a:xfrm>
+            <a:off x="5040706" y="4750201"/>
+            <a:ext cx="2487129" cy="461665"/>
+          </a:xfrm>
+          <a:prstGeom prst="rect">
+            <a:avLst/>
+          </a:prstGeom>
+          <a:noFill/>
+        </p:spPr>
+        <p:txBody>
+          <a:bodyPr wrap="none" rtlCol="0">
+            <a:spAutoFit/>
+          </a:bodyPr>
+          <a:lstStyle/>
+          <a:p>
+            <a:r>
+              <a:rPr lang="en-US" sz="2400" dirty="0" smtClean="0"/>
+              <a:t>Doing Unit Testing</a:t>
+            </a:r>
+          </a:p>
+        </p:txBody>
+      </p:sp>
+      <p:sp>
+        <p:nvSpPr>
+          <p:cNvPr id="11" name="TextBox 10"/>
+          <p:cNvSpPr txBox="1"/>
+          <p:nvPr/>
+        </p:nvSpPr>
+        <p:spPr>
+          <a:xfrm>
+            <a:off x="821525" y="5517866"/>
+            <a:ext cx="3826288" cy="461665"/>
+          </a:xfrm>
+          <a:prstGeom prst="rect">
+            <a:avLst/>
+          </a:prstGeom>
+          <a:noFill/>
+        </p:spPr>
+        <p:txBody>
+          <a:bodyPr wrap="none" rtlCol="0">
+            <a:spAutoFit/>
+          </a:bodyPr>
+          <a:lstStyle/>
+          <a:p>
+            <a:r>
+              <a:rPr lang="en-US" sz="2400" dirty="0" smtClean="0"/>
+              <a:t>Tools: </a:t>
+            </a:r>
+            <a:r>
+              <a:rPr lang="en-US" sz="2400" dirty="0" err="1" smtClean="0"/>
+              <a:t>Mindmup</a:t>
+            </a:r>
+            <a:r>
+              <a:rPr lang="en-US" sz="2400" dirty="0" smtClean="0"/>
+              <a:t> &amp; Approvals</a:t>
+            </a:r>
+            <a:endParaRPr lang="en-US" sz="2400" dirty="0"/>
+          </a:p>
+        </p:txBody>
+      </p:sp>
     </p:spTree>
     <p:extLst>
       <p:ext uri="{BB962C8B-B14F-4D97-AF65-F5344CB8AC3E}">
@@ -3568,11 +4481,18 @@
   <p:clrMapOvr>
     <a:masterClrMapping/>
   </p:clrMapOvr>
+  <p:timing>
+    <p:tnLst>
+      <p:par>
+        <p:cTn xmlns:p14="http://schemas.microsoft.com/office/powerpoint/2010/main" id="1" dur="indefinite" restart="never" nodeType="tmRoot"/>
+      </p:par>
+    </p:tnLst>
+  </p:timing>
 </p:sld>
 </file>
 
 <file path=ppt/slides/slide4.xml><?xml version="1.0" encoding="utf-8"?>
-<p:sld xmlns:a="http://schemas.openxmlformats.org/drawingml/2006/main" xmlns:r="http://schemas.openxmlformats.org/officeDocument/2006/relationships" xmlns:p="http://schemas.openxmlformats.org/presentationml/2006/main">
+<p:sld xmlns:a="http://schemas.openxmlformats.org/drawingml/2006/main" xmlns:r="http://schemas.openxmlformats.org/officeDocument/2006/relationships" xmlns:p="http://schemas.openxmlformats.org/presentationml/2006/main" show="0">
   <p:cSld>
     <p:spTree>
       <p:nvGrpSpPr>
@@ -3590,7 +4510,7 @@
       </p:grpSpPr>
       <p:sp>
         <p:nvSpPr>
-          <p:cNvPr id="4" name="Title 3"/>
+          <p:cNvPr id="2" name="Title 1"/>
           <p:cNvSpPr>
             <a:spLocks noGrp="1"/>
           </p:cNvSpPr>
@@ -3605,46 +4525,72 @@
           <a:p>
             <a:r>
               <a:rPr lang="en-US" dirty="0" smtClean="0"/>
-              <a:t>HOW THE DAY WILL RUN</a:t>
+              <a:t>The Specifics of Exploratory Testing</a:t>
             </a:r>
             <a:endParaRPr lang="en-US" dirty="0"/>
           </a:p>
         </p:txBody>
       </p:sp>
-      <p:sp>
-        <p:nvSpPr>
-          <p:cNvPr id="5" name="Text Placeholder 4"/>
-          <p:cNvSpPr>
-            <a:spLocks noGrp="1"/>
-          </p:cNvSpPr>
-          <p:nvPr>
-            <p:ph type="body" idx="1"/>
-          </p:nvPr>
-        </p:nvSpPr>
-        <p:spPr/>
-        <p:txBody>
-          <a:bodyPr/>
-          <a:lstStyle/>
-          <a:p>
-            <a:endParaRPr lang="en-US"/>
-          </a:p>
-        </p:txBody>
-      </p:sp>
+      <p:pic>
+        <p:nvPicPr>
+          <p:cNvPr id="4" name="Picture 3" descr="Screen Shot 2015-05-24 at 22.13.54.png"/>
+          <p:cNvPicPr>
+            <a:picLocks noChangeAspect="1"/>
+          </p:cNvPicPr>
+          <p:nvPr/>
+        </p:nvPicPr>
+        <p:blipFill>
+          <a:blip r:embed="rId2">
+            <a:extLst>
+              <a:ext uri="{28A0092B-C50C-407E-A947-70E740481C1C}">
+                <a14:useLocalDpi xmlns:a14="http://schemas.microsoft.com/office/drawing/2010/main" val="0"/>
+              </a:ext>
+            </a:extLst>
+          </a:blip>
+          <a:stretch>
+            <a:fillRect/>
+          </a:stretch>
+        </p:blipFill>
+        <p:spPr>
+          <a:xfrm>
+            <a:off x="1517209" y="1310709"/>
+            <a:ext cx="6200400" cy="5221389"/>
+          </a:xfrm>
+          <a:prstGeom prst="rect">
+            <a:avLst/>
+          </a:prstGeom>
+        </p:spPr>
+      </p:pic>
     </p:spTree>
     <p:extLst>
       <p:ext uri="{BB962C8B-B14F-4D97-AF65-F5344CB8AC3E}">
-        <p14:creationId xmlns:p14="http://schemas.microsoft.com/office/powerpoint/2010/main" val="2962410053"/>
+        <p14:creationId xmlns:p14="http://schemas.microsoft.com/office/powerpoint/2010/main" val="1434237830"/>
       </p:ext>
     </p:extLst>
   </p:cSld>
   <p:clrMapOvr>
     <a:masterClrMapping/>
   </p:clrMapOvr>
+  <mc:AlternateContent xmlns:mc="http://schemas.openxmlformats.org/markup-compatibility/2006">
+    <mc:Choice xmlns:p14="http://schemas.microsoft.com/office/powerpoint/2010/main" Requires="p14">
+      <p:transition spd="slow" p14:dur="2000"/>
+    </mc:Choice>
+    <mc:Fallback>
+      <p:transition xmlns:p14="http://schemas.microsoft.com/office/powerpoint/2010/main" spd="slow"/>
+    </mc:Fallback>
+  </mc:AlternateContent>
+  <p:timing>
+    <p:tnLst>
+      <p:par>
+        <p:cTn xmlns:p14="http://schemas.microsoft.com/office/powerpoint/2010/main" id="1" dur="indefinite" restart="never" nodeType="tmRoot"/>
+      </p:par>
+    </p:tnLst>
+  </p:timing>
 </p:sld>
 </file>
 
 <file path=ppt/slides/slide5.xml><?xml version="1.0" encoding="utf-8"?>
-<p:sld xmlns:a="http://schemas.openxmlformats.org/drawingml/2006/main" xmlns:r="http://schemas.openxmlformats.org/officeDocument/2006/relationships" xmlns:p="http://schemas.openxmlformats.org/presentationml/2006/main">
+<p:sld xmlns:a="http://schemas.openxmlformats.org/drawingml/2006/main" xmlns:r="http://schemas.openxmlformats.org/officeDocument/2006/relationships" xmlns:p="http://schemas.openxmlformats.org/presentationml/2006/main" show="0">
   <p:cSld>
     <p:spTree>
       <p:nvGrpSpPr>
@@ -3662,7 +4608,7 @@
       </p:grpSpPr>
       <p:sp>
         <p:nvSpPr>
-          <p:cNvPr id="4" name="Title 3"/>
+          <p:cNvPr id="2" name="Title 1"/>
           <p:cNvSpPr>
             <a:spLocks noGrp="1"/>
           </p:cNvSpPr>
@@ -3676,46 +4622,68 @@
           <a:lstStyle/>
           <a:p>
             <a:r>
-              <a:rPr lang="en-US" dirty="0" err="1" smtClean="0"/>
-              <a:t>DfEditor</a:t>
-            </a:r>
-            <a:r>
-              <a:rPr lang="en-US" smtClean="0"/>
-              <a:t> Intro</a:t>
-            </a:r>
-            <a:endParaRPr lang="en-US"/>
-          </a:p>
-        </p:txBody>
-      </p:sp>
-      <p:sp>
-        <p:nvSpPr>
-          <p:cNvPr id="5" name="Content Placeholder 4"/>
-          <p:cNvSpPr>
-            <a:spLocks noGrp="1"/>
-          </p:cNvSpPr>
-          <p:nvPr>
-            <p:ph idx="1"/>
-          </p:nvPr>
-        </p:nvSpPr>
-        <p:spPr/>
-        <p:txBody>
-          <a:bodyPr/>
-          <a:lstStyle/>
-          <a:p>
-            <a:endParaRPr lang="en-US"/>
-          </a:p>
-        </p:txBody>
-      </p:sp>
+              <a:rPr lang="en-US" dirty="0" smtClean="0"/>
+              <a:t>The Specifics of Unit Testing</a:t>
+            </a:r>
+            <a:endParaRPr lang="en-US" dirty="0"/>
+          </a:p>
+        </p:txBody>
+      </p:sp>
+      <p:pic>
+        <p:nvPicPr>
+          <p:cNvPr id="3" name="Picture 2" descr="Screen Shot 2015-05-24 at 22.16.31.png"/>
+          <p:cNvPicPr>
+            <a:picLocks noChangeAspect="1"/>
+          </p:cNvPicPr>
+          <p:nvPr/>
+        </p:nvPicPr>
+        <p:blipFill>
+          <a:blip r:embed="rId2">
+            <a:extLst>
+              <a:ext uri="{28A0092B-C50C-407E-A947-70E740481C1C}">
+                <a14:useLocalDpi xmlns:a14="http://schemas.microsoft.com/office/drawing/2010/main" val="0"/>
+              </a:ext>
+            </a:extLst>
+          </a:blip>
+          <a:stretch>
+            <a:fillRect/>
+          </a:stretch>
+        </p:blipFill>
+        <p:spPr>
+          <a:xfrm>
+            <a:off x="2922033" y="1263136"/>
+            <a:ext cx="3436853" cy="5504959"/>
+          </a:xfrm>
+          <a:prstGeom prst="rect">
+            <a:avLst/>
+          </a:prstGeom>
+        </p:spPr>
+      </p:pic>
     </p:spTree>
     <p:extLst>
       <p:ext uri="{BB962C8B-B14F-4D97-AF65-F5344CB8AC3E}">
-        <p14:creationId xmlns:p14="http://schemas.microsoft.com/office/powerpoint/2010/main" val="1181758338"/>
+        <p14:creationId xmlns:p14="http://schemas.microsoft.com/office/powerpoint/2010/main" val="2649761831"/>
       </p:ext>
     </p:extLst>
   </p:cSld>
   <p:clrMapOvr>
     <a:masterClrMapping/>
   </p:clrMapOvr>
+  <mc:AlternateContent xmlns:mc="http://schemas.openxmlformats.org/markup-compatibility/2006">
+    <mc:Choice xmlns:p14="http://schemas.microsoft.com/office/powerpoint/2010/main" Requires="p14">
+      <p:transition spd="slow" p14:dur="2000"/>
+    </mc:Choice>
+    <mc:Fallback>
+      <p:transition xmlns:p14="http://schemas.microsoft.com/office/powerpoint/2010/main" spd="slow"/>
+    </mc:Fallback>
+  </mc:AlternateContent>
+  <p:timing>
+    <p:tnLst>
+      <p:par>
+        <p:cTn xmlns:p14="http://schemas.microsoft.com/office/powerpoint/2010/main" id="1" dur="indefinite" restart="never" nodeType="tmRoot"/>
+      </p:par>
+    </p:tnLst>
+  </p:timing>
 </p:sld>
 </file>
 
@@ -3738,6 +4706,151 @@
       </p:grpSpPr>
       <p:sp>
         <p:nvSpPr>
+          <p:cNvPr id="3" name="Title 2"/>
+          <p:cNvSpPr>
+            <a:spLocks noGrp="1"/>
+          </p:cNvSpPr>
+          <p:nvPr>
+            <p:ph type="title"/>
+          </p:nvPr>
+        </p:nvSpPr>
+        <p:spPr/>
+        <p:txBody>
+          <a:bodyPr/>
+          <a:lstStyle/>
+          <a:p>
+            <a:r>
+              <a:rPr lang="en-US" dirty="0" smtClean="0"/>
+              <a:t>How the Day Will Run</a:t>
+            </a:r>
+            <a:endParaRPr lang="en-US" dirty="0"/>
+          </a:p>
+        </p:txBody>
+      </p:sp>
+      <p:sp>
+        <p:nvSpPr>
+          <p:cNvPr id="6" name="Content Placeholder 5"/>
+          <p:cNvSpPr>
+            <a:spLocks noGrp="1"/>
+          </p:cNvSpPr>
+          <p:nvPr>
+            <p:ph idx="1"/>
+          </p:nvPr>
+        </p:nvSpPr>
+        <p:spPr/>
+        <p:txBody>
+          <a:bodyPr>
+            <a:normAutofit fontScale="92500" lnSpcReduction="20000"/>
+          </a:bodyPr>
+          <a:lstStyle/>
+          <a:p>
+            <a:r>
+              <a:rPr lang="en-US" dirty="0" smtClean="0"/>
+              <a:t>Getting to know you</a:t>
+            </a:r>
+          </a:p>
+          <a:p>
+            <a:r>
+              <a:rPr lang="en-US" dirty="0" smtClean="0"/>
+              <a:t>Tools for today</a:t>
+            </a:r>
+          </a:p>
+          <a:p>
+            <a:pPr lvl="1"/>
+            <a:r>
+              <a:rPr lang="en-US" dirty="0" smtClean="0"/>
+              <a:t>“Bug database” as sticky notes</a:t>
+            </a:r>
+          </a:p>
+          <a:p>
+            <a:pPr lvl="1"/>
+            <a:r>
+              <a:rPr lang="en-US" dirty="0" err="1" smtClean="0"/>
+              <a:t>Mindmup</a:t>
+            </a:r>
+            <a:endParaRPr lang="en-US" dirty="0" smtClean="0"/>
+          </a:p>
+          <a:p>
+            <a:pPr lvl="1"/>
+            <a:r>
+              <a:rPr lang="en-US" dirty="0" smtClean="0"/>
+              <a:t>Eclipse &amp; Approvals</a:t>
+            </a:r>
+          </a:p>
+          <a:p>
+            <a:r>
+              <a:rPr lang="en-US" dirty="0" smtClean="0"/>
+              <a:t>Introducing the software to test</a:t>
+            </a:r>
+          </a:p>
+          <a:p>
+            <a:r>
+              <a:rPr lang="en-US" dirty="0" smtClean="0"/>
+              <a:t>Sessions with observations</a:t>
+            </a:r>
+          </a:p>
+          <a:p>
+            <a:pPr lvl="1"/>
+            <a:r>
+              <a:rPr lang="en-US" dirty="0" smtClean="0"/>
+              <a:t>Exploratory testing in sessions</a:t>
+            </a:r>
+          </a:p>
+          <a:p>
+            <a:pPr lvl="1"/>
+            <a:r>
+              <a:rPr lang="en-US" dirty="0" smtClean="0"/>
+              <a:t>Unit testing in sessions</a:t>
+            </a:r>
+          </a:p>
+          <a:p>
+            <a:r>
+              <a:rPr lang="en-US" dirty="0" smtClean="0"/>
+              <a:t>Wrap-up</a:t>
+            </a:r>
+            <a:endParaRPr lang="en-US" dirty="0"/>
+          </a:p>
+        </p:txBody>
+      </p:sp>
+    </p:spTree>
+    <p:extLst>
+      <p:ext uri="{BB962C8B-B14F-4D97-AF65-F5344CB8AC3E}">
+        <p14:creationId xmlns:p14="http://schemas.microsoft.com/office/powerpoint/2010/main" val="2962410053"/>
+      </p:ext>
+    </p:extLst>
+  </p:cSld>
+  <p:clrMapOvr>
+    <a:masterClrMapping/>
+  </p:clrMapOvr>
+  <p:timing>
+    <p:tnLst>
+      <p:par>
+        <p:cTn xmlns:p14="http://schemas.microsoft.com/office/powerpoint/2010/main" id="1" dur="indefinite" restart="never" nodeType="tmRoot"/>
+      </p:par>
+    </p:tnLst>
+  </p:timing>
+</p:sld>
+</file>
+
+<file path=ppt/slides/slide7.xml><?xml version="1.0" encoding="utf-8"?>
+<p:sld xmlns:a="http://schemas.openxmlformats.org/drawingml/2006/main" xmlns:r="http://schemas.openxmlformats.org/officeDocument/2006/relationships" xmlns:p="http://schemas.openxmlformats.org/presentationml/2006/main">
+  <p:cSld>
+    <p:spTree>
+      <p:nvGrpSpPr>
+        <p:cNvPr id="1" name=""/>
+        <p:cNvGrpSpPr/>
+        <p:nvPr/>
+      </p:nvGrpSpPr>
+      <p:grpSpPr>
+        <a:xfrm>
+          <a:off x="0" y="0"/>
+          <a:ext cx="0" cy="0"/>
+          <a:chOff x="0" y="0"/>
+          <a:chExt cx="0" cy="0"/>
+        </a:xfrm>
+      </p:grpSpPr>
+      <p:sp>
+        <p:nvSpPr>
           <p:cNvPr id="4" name="Title 3"/>
           <p:cNvSpPr>
             <a:spLocks noGrp="1"/>
@@ -3748,12 +4861,14 @@
         </p:nvSpPr>
         <p:spPr/>
         <p:txBody>
-          <a:bodyPr/>
+          <a:bodyPr>
+            <a:normAutofit/>
+          </a:bodyPr>
           <a:lstStyle/>
           <a:p>
             <a:r>
               <a:rPr lang="en-US" dirty="0" smtClean="0"/>
-              <a:t>Running the app</a:t>
+              <a:t>The App: Dark Function Editor</a:t>
             </a:r>
             <a:endParaRPr lang="en-US" dirty="0"/>
           </a:p>
@@ -3771,24 +4886,93 @@
         </p:nvSpPr>
         <p:spPr/>
         <p:txBody>
-          <a:bodyPr/>
-          <a:lstStyle/>
+          <a:bodyPr>
+            <a:normAutofit fontScale="70000" lnSpcReduction="20000"/>
+          </a:bodyPr>
+          <a:lstStyle/>
+          <a:p>
+            <a:r>
+              <a:rPr lang="en-US" sz="3600" dirty="0" smtClean="0"/>
+              <a:t>Eclipse: </a:t>
+            </a:r>
+          </a:p>
+          <a:p>
+            <a:pPr lvl="1"/>
+            <a:r>
+              <a:rPr lang="en-US" sz="3600" dirty="0" smtClean="0"/>
+              <a:t>Open </a:t>
+            </a:r>
+            <a:r>
+              <a:rPr lang="en-US" sz="3600" dirty="0" err="1" smtClean="0"/>
+              <a:t>dfEditorApp</a:t>
+            </a:r>
+            <a:r>
+              <a:rPr lang="en-US" sz="3600" dirty="0" smtClean="0"/>
+              <a:t> (</a:t>
+            </a:r>
+            <a:r>
+              <a:rPr lang="en-US" sz="3600" dirty="0" err="1" smtClean="0"/>
+              <a:t>Ctrl+Shift+T</a:t>
+            </a:r>
+            <a:r>
+              <a:rPr lang="en-US" sz="3600" dirty="0" smtClean="0"/>
+              <a:t>)</a:t>
+            </a:r>
+          </a:p>
+          <a:p>
+            <a:pPr lvl="1"/>
+            <a:r>
+              <a:rPr lang="en-US" sz="3600" dirty="0" smtClean="0"/>
+              <a:t>Run (Ctrl+F11</a:t>
+            </a:r>
+            <a:r>
+              <a:rPr lang="en-US" sz="3600" dirty="0" smtClean="0"/>
+              <a:t>)</a:t>
+            </a:r>
+          </a:p>
+          <a:p>
+            <a:endParaRPr lang="en-US" dirty="0"/>
+          </a:p>
+          <a:p>
+            <a:r>
+              <a:rPr lang="en-US" sz="3400" b="1" dirty="0" smtClean="0"/>
+              <a:t>A 2D sprite and animation tool for </a:t>
+            </a:r>
+            <a:br>
+              <a:rPr lang="en-US" sz="3400" b="1" dirty="0" smtClean="0"/>
+            </a:br>
+            <a:r>
+              <a:rPr lang="en-US" sz="3400" b="1" dirty="0" smtClean="0"/>
+              <a:t>game developer</a:t>
+            </a:r>
+          </a:p>
           <a:p>
             <a:r>
               <a:rPr lang="en-US" dirty="0" smtClean="0"/>
-              <a:t>Open </a:t>
-            </a:r>
-            <a:r>
-              <a:rPr lang="en-US" dirty="0" err="1" smtClean="0"/>
-              <a:t>dfEditorApp</a:t>
+              <a:t>Two main uses:</a:t>
+            </a:r>
+          </a:p>
+          <a:p>
+            <a:pPr lvl="1"/>
+            <a:r>
+              <a:rPr lang="en-US" b="1" dirty="0" smtClean="0"/>
+              <a:t>Sprite sheet </a:t>
+            </a:r>
+            <a:r>
+              <a:rPr lang="en-US" b="1" dirty="0"/>
+              <a:t>c</a:t>
+            </a:r>
+            <a:r>
+              <a:rPr lang="en-US" b="1" dirty="0" smtClean="0"/>
+              <a:t>reator</a:t>
             </a:r>
             <a:r>
               <a:rPr lang="en-US" dirty="0" smtClean="0"/>
-              <a:t> (</a:t>
-            </a:r>
-            <a:r>
-              <a:rPr lang="en-US" dirty="0" err="1" smtClean="0"/>
-              <a:t>Ctrl+Shift+T</a:t>
+              <a:t>: Create sprite sheets by adding coordinates or by putting together individual sprites (</a:t>
+            </a:r>
+            <a:r>
+              <a:rPr lang="en-US" i="1" dirty="0" smtClean="0"/>
+              <a:t>New / Sprite sheet</a:t>
             </a:r>
             <a:r>
               <a:rPr lang="en-US" dirty="0" smtClean="0"/>
@@ -3796,11 +4980,78 @@
             </a:r>
           </a:p>
           <a:p>
+            <a:pPr lvl="1"/>
+            <a:r>
+              <a:rPr lang="en-US" b="1" dirty="0" smtClean="0"/>
+              <a:t>Image animator</a:t>
+            </a:r>
             <a:r>
               <a:rPr lang="en-US" dirty="0" smtClean="0"/>
-              <a:t>Run (Ctrl+F11)</a:t>
+              <a:t>: Create animations from sprite sheets</a:t>
+            </a:r>
+            <a:r>
+              <a:rPr lang="en-US" dirty="0"/>
+              <a:t> </a:t>
+            </a:r>
+            <a:r>
+              <a:rPr lang="en-US" dirty="0" smtClean="0"/>
+              <a:t>(</a:t>
+            </a:r>
+            <a:r>
+              <a:rPr lang="en-US" i="1" dirty="0"/>
+              <a:t>New / Animation </a:t>
+            </a:r>
+            <a:r>
+              <a:rPr lang="en-US" i="1" dirty="0" smtClean="0"/>
+              <a:t>set</a:t>
+            </a:r>
+            <a:r>
+              <a:rPr lang="en-US" dirty="0" smtClean="0"/>
+              <a:t>)</a:t>
+            </a:r>
+          </a:p>
+          <a:p>
+            <a:r>
+              <a:rPr lang="en-US" dirty="0" smtClean="0"/>
+              <a:t>Test data to start from:</a:t>
             </a:r>
             <a:endParaRPr lang="en-US" dirty="0"/>
+          </a:p>
+          <a:p>
+            <a:pPr lvl="1"/>
+            <a:r>
+              <a:rPr lang="en-US" dirty="0" smtClean="0"/>
+              <a:t>In </a:t>
+            </a:r>
+            <a:r>
+              <a:rPr lang="en-US" dirty="0" err="1" smtClean="0"/>
+              <a:t>darkFunction</a:t>
+            </a:r>
+            <a:r>
+              <a:rPr lang="en-US" dirty="0" smtClean="0"/>
+              <a:t>-Editor/</a:t>
+            </a:r>
+            <a:r>
+              <a:rPr lang="en-US" dirty="0" err="1" smtClean="0"/>
+              <a:t>TestingResources</a:t>
+            </a:r>
+            <a:r>
+              <a:rPr lang="en-US" dirty="0" smtClean="0"/>
+              <a:t>/</a:t>
+            </a:r>
+            <a:r>
+              <a:rPr lang="en-US" dirty="0" err="1" smtClean="0"/>
+              <a:t>StarWarsImages</a:t>
+            </a:r>
+            <a:r>
+              <a:rPr lang="en-US" dirty="0" smtClean="0"/>
+              <a:t>/</a:t>
+            </a:r>
+            <a:r>
+              <a:rPr lang="en-US" dirty="0" err="1" smtClean="0"/>
+              <a:t>SWAll.sprites</a:t>
+            </a:r>
+            <a:endParaRPr lang="en-US" dirty="0" smtClean="0"/>
           </a:p>
         </p:txBody>
       </p:sp>
@@ -3826,7 +5077,7 @@
         </p:blipFill>
         <p:spPr>
           <a:xfrm>
-            <a:off x="5244101" y="3237656"/>
+            <a:off x="6095094" y="2103157"/>
             <a:ext cx="2794000" cy="1968500"/>
           </a:xfrm>
           <a:prstGeom prst="rect">
@@ -3844,10 +5095,17 @@
   <p:clrMapOvr>
     <a:masterClrMapping/>
   </p:clrMapOvr>
+  <p:timing>
+    <p:tnLst>
+      <p:par>
+        <p:cTn xmlns:p14="http://schemas.microsoft.com/office/powerpoint/2010/main" id="1" dur="indefinite" restart="never" nodeType="tmRoot"/>
+      </p:par>
+    </p:tnLst>
+  </p:timing>
 </p:sld>
 </file>
 
-<file path=ppt/slides/slide7.xml><?xml version="1.0" encoding="utf-8"?>
+<file path=ppt/slides/slide8.xml><?xml version="1.0" encoding="utf-8"?>
 <p:sld xmlns:a="http://schemas.openxmlformats.org/drawingml/2006/main" xmlns:r="http://schemas.openxmlformats.org/officeDocument/2006/relationships" xmlns:p="http://schemas.openxmlformats.org/presentationml/2006/main">
   <p:cSld>
     <p:spTree>
@@ -3864,9 +5122,109 @@
           <a:chExt cx="0" cy="0"/>
         </a:xfrm>
       </p:grpSpPr>
-      <p:sp>
-        <p:nvSpPr>
-          <p:cNvPr id="4" name="Title 3"/>
+      <p:pic>
+        <p:nvPicPr>
+          <p:cNvPr id="3" name="Picture 2" descr="maaret032015.jpg"/>
+          <p:cNvPicPr>
+            <a:picLocks noChangeAspect="1"/>
+          </p:cNvPicPr>
+          <p:nvPr/>
+        </p:nvPicPr>
+        <p:blipFill>
+          <a:blip r:embed="rId2">
+            <a:extLst>
+              <a:ext uri="{28A0092B-C50C-407E-A947-70E740481C1C}">
+                <a14:useLocalDpi xmlns:a14="http://schemas.microsoft.com/office/drawing/2010/main" val="0"/>
+              </a:ext>
+            </a:extLst>
+          </a:blip>
+          <a:stretch>
+            <a:fillRect/>
+          </a:stretch>
+        </p:blipFill>
+        <p:spPr>
+          <a:xfrm>
+            <a:off x="463397" y="1541680"/>
+            <a:ext cx="2406218" cy="2406218"/>
+          </a:xfrm>
+          <a:prstGeom prst="rect">
+            <a:avLst/>
+          </a:prstGeom>
+          <a:ln>
+            <a:noFill/>
+          </a:ln>
+          <a:effectLst>
+            <a:outerShdw blurRad="292100" dist="139700" dir="2700000" algn="tl" rotWithShape="0">
+              <a:srgbClr val="333333">
+                <a:alpha val="65000"/>
+              </a:srgbClr>
+            </a:outerShdw>
+          </a:effectLst>
+        </p:spPr>
+      </p:pic>
+      <p:sp>
+        <p:nvSpPr>
+          <p:cNvPr id="4" name="TextBox 3"/>
+          <p:cNvSpPr txBox="1"/>
+          <p:nvPr/>
+        </p:nvSpPr>
+        <p:spPr>
+          <a:xfrm>
+            <a:off x="3242040" y="1575099"/>
+            <a:ext cx="5793335" cy="2554545"/>
+          </a:xfrm>
+          <a:prstGeom prst="rect">
+            <a:avLst/>
+          </a:prstGeom>
+          <a:noFill/>
+        </p:spPr>
+        <p:txBody>
+          <a:bodyPr wrap="square" rtlCol="0">
+            <a:spAutoFit/>
+          </a:bodyPr>
+          <a:lstStyle/>
+          <a:p>
+            <a:r>
+              <a:rPr lang="en-US" sz="3200" b="1" dirty="0" smtClean="0"/>
+              <a:t>Maaret Pyhäjärvi</a:t>
+            </a:r>
+          </a:p>
+          <a:p>
+            <a:r>
+              <a:rPr lang="en-US" sz="3200" dirty="0" smtClean="0"/>
+              <a:t>Email: maaret@iki.fi</a:t>
+            </a:r>
+          </a:p>
+          <a:p>
+            <a:r>
+              <a:rPr lang="en-US" sz="3200" dirty="0" smtClean="0"/>
+              <a:t>Twitter: @</a:t>
+            </a:r>
+            <a:r>
+              <a:rPr lang="en-US" sz="3200" dirty="0" err="1" smtClean="0"/>
+              <a:t>maaretp</a:t>
+            </a:r>
+            <a:endParaRPr lang="en-US" sz="3200" dirty="0" smtClean="0"/>
+          </a:p>
+          <a:p>
+            <a:r>
+              <a:rPr lang="en-US" sz="3200" dirty="0" smtClean="0"/>
+              <a:t>Blog: visible-</a:t>
+            </a:r>
+            <a:r>
+              <a:rPr lang="en-US" sz="3200" dirty="0" err="1" smtClean="0"/>
+              <a:t>quality.blogspot.fi</a:t>
+            </a:r>
+            <a:endParaRPr lang="en-US" sz="3200" dirty="0" smtClean="0"/>
+          </a:p>
+          <a:p>
+            <a:endParaRPr lang="en-US" sz="3200" dirty="0" smtClean="0"/>
+          </a:p>
+        </p:txBody>
+      </p:sp>
+      <p:sp>
+        <p:nvSpPr>
+          <p:cNvPr id="5" name="Title 4"/>
           <p:cNvSpPr>
             <a:spLocks noGrp="1"/>
           </p:cNvSpPr>
@@ -3881,49 +5239,299 @@
           <a:p>
             <a:r>
               <a:rPr lang="en-US" dirty="0" smtClean="0"/>
-              <a:t>SETTING </a:t>
-            </a:r>
-            <a:r>
-              <a:rPr lang="en-US" dirty="0" err="1" smtClean="0"/>
-              <a:t>ThiNGS</a:t>
-            </a:r>
-            <a:r>
-              <a:rPr lang="en-US" dirty="0" smtClean="0"/>
-              <a:t> UP WITH INTRODUCTION</a:t>
+              <a:t>Get in Touch</a:t>
             </a:r>
             <a:endParaRPr lang="en-US" dirty="0"/>
           </a:p>
         </p:txBody>
       </p:sp>
-      <p:sp>
-        <p:nvSpPr>
-          <p:cNvPr id="5" name="Text Placeholder 4"/>
-          <p:cNvSpPr>
-            <a:spLocks noGrp="1"/>
-          </p:cNvSpPr>
-          <p:nvPr>
-            <p:ph type="body" idx="1"/>
-          </p:nvPr>
-        </p:nvSpPr>
-        <p:spPr/>
-        <p:txBody>
-          <a:bodyPr/>
-          <a:lstStyle/>
-          <a:p>
-            <a:endParaRPr lang="en-US"/>
+      <p:pic>
+        <p:nvPicPr>
+          <p:cNvPr id="6" name="Picture 5" descr="Llewellyn.jpg"/>
+          <p:cNvPicPr>
+            <a:picLocks noChangeAspect="1"/>
+          </p:cNvPicPr>
+          <p:nvPr/>
+        </p:nvPicPr>
+        <p:blipFill>
+          <a:blip r:embed="rId3">
+            <a:extLst>
+              <a:ext uri="{28A0092B-C50C-407E-A947-70E740481C1C}">
+                <a14:useLocalDpi xmlns:a14="http://schemas.microsoft.com/office/drawing/2010/main" val="0"/>
+              </a:ext>
+            </a:extLst>
+          </a:blip>
+          <a:stretch>
+            <a:fillRect/>
+          </a:stretch>
+        </p:blipFill>
+        <p:spPr>
+          <a:xfrm>
+            <a:off x="463397" y="4129644"/>
+            <a:ext cx="2406218" cy="2406218"/>
+          </a:xfrm>
+          <a:prstGeom prst="rect">
+            <a:avLst/>
+          </a:prstGeom>
+          <a:ln>
+            <a:noFill/>
+          </a:ln>
+          <a:effectLst>
+            <a:outerShdw blurRad="292100" dist="139700" dir="2700000" algn="tl" rotWithShape="0">
+              <a:srgbClr val="333333">
+                <a:alpha val="65000"/>
+              </a:srgbClr>
+            </a:outerShdw>
+          </a:effectLst>
+        </p:spPr>
+      </p:pic>
+      <p:sp>
+        <p:nvSpPr>
+          <p:cNvPr id="7" name="TextBox 6"/>
+          <p:cNvSpPr txBox="1"/>
+          <p:nvPr/>
+        </p:nvSpPr>
+        <p:spPr>
+          <a:xfrm>
+            <a:off x="3242040" y="4160202"/>
+            <a:ext cx="5793335" cy="2554545"/>
+          </a:xfrm>
+          <a:prstGeom prst="rect">
+            <a:avLst/>
+          </a:prstGeom>
+          <a:noFill/>
+        </p:spPr>
+        <p:txBody>
+          <a:bodyPr wrap="square" rtlCol="0">
+            <a:spAutoFit/>
+          </a:bodyPr>
+          <a:lstStyle/>
+          <a:p>
+            <a:r>
+              <a:rPr lang="en-US" sz="3200" b="1" dirty="0" smtClean="0"/>
+              <a:t>Llewellyn Falco</a:t>
+            </a:r>
+            <a:endParaRPr lang="en-US" sz="3200" b="1" dirty="0" smtClean="0"/>
+          </a:p>
+          <a:p>
+            <a:r>
+              <a:rPr lang="en-US" sz="3200" dirty="0" smtClean="0"/>
+              <a:t>Email: </a:t>
+            </a:r>
+            <a:r>
+              <a:rPr lang="en-US" sz="3200" dirty="0" err="1" smtClean="0"/>
+              <a:t>isidore@setgame.com</a:t>
+            </a:r>
+            <a:endParaRPr lang="en-US" sz="3200" dirty="0" smtClean="0"/>
+          </a:p>
+          <a:p>
+            <a:r>
+              <a:rPr lang="en-US" sz="3200" dirty="0" smtClean="0"/>
+              <a:t>Twitter: </a:t>
+            </a:r>
+            <a:r>
+              <a:rPr lang="en-US" sz="3200" dirty="0" smtClean="0"/>
+              <a:t>@</a:t>
+            </a:r>
+            <a:r>
+              <a:rPr lang="en-US" sz="3200" dirty="0" err="1" smtClean="0"/>
+              <a:t>llewellynfalco</a:t>
+            </a:r>
+            <a:endParaRPr lang="en-US" sz="3200" dirty="0" smtClean="0"/>
+          </a:p>
+          <a:p>
+            <a:r>
+              <a:rPr lang="en-US" sz="3200" dirty="0" smtClean="0"/>
+              <a:t>Blog: </a:t>
+            </a:r>
+            <a:r>
+              <a:rPr lang="en-US" sz="3200" dirty="0" err="1" smtClean="0"/>
+              <a:t>llewellynfalco</a:t>
+            </a:r>
+            <a:r>
+              <a:rPr lang="en-US" sz="3200" dirty="0" err="1" smtClean="0"/>
+              <a:t>.blogspot.com</a:t>
+            </a:r>
+            <a:endParaRPr lang="en-US" sz="3200" dirty="0" smtClean="0"/>
+          </a:p>
+          <a:p>
+            <a:endParaRPr lang="en-US" sz="3200" dirty="0" smtClean="0"/>
           </a:p>
         </p:txBody>
       </p:sp>
     </p:spTree>
     <p:extLst>
       <p:ext uri="{BB962C8B-B14F-4D97-AF65-F5344CB8AC3E}">
-        <p14:creationId xmlns:p14="http://schemas.microsoft.com/office/powerpoint/2010/main" val="3949199415"/>
+        <p14:creationId xmlns:p14="http://schemas.microsoft.com/office/powerpoint/2010/main" val="2430598829"/>
       </p:ext>
     </p:extLst>
   </p:cSld>
   <p:clrMapOvr>
     <a:masterClrMapping/>
   </p:clrMapOvr>
+  <p:timing>
+    <p:tnLst>
+      <p:par>
+        <p:cTn xmlns:p14="http://schemas.microsoft.com/office/powerpoint/2010/main" id="1" dur="indefinite" restart="never" nodeType="tmRoot"/>
+      </p:par>
+    </p:tnLst>
+  </p:timing>
+</p:sld>
+</file>
+
+<file path=ppt/slides/slide9.xml><?xml version="1.0" encoding="utf-8"?>
+<p:sld xmlns:a="http://schemas.openxmlformats.org/drawingml/2006/main" xmlns:r="http://schemas.openxmlformats.org/officeDocument/2006/relationships" xmlns:p="http://schemas.openxmlformats.org/presentationml/2006/main">
+  <p:cSld>
+    <p:spTree>
+      <p:nvGrpSpPr>
+        <p:cNvPr id="1" name=""/>
+        <p:cNvGrpSpPr/>
+        <p:nvPr/>
+      </p:nvGrpSpPr>
+      <p:grpSpPr>
+        <a:xfrm>
+          <a:off x="0" y="0"/>
+          <a:ext cx="0" cy="0"/>
+          <a:chOff x="0" y="0"/>
+          <a:chExt cx="0" cy="0"/>
+        </a:xfrm>
+      </p:grpSpPr>
+      <p:sp>
+        <p:nvSpPr>
+          <p:cNvPr id="3" name="Title 2"/>
+          <p:cNvSpPr>
+            <a:spLocks noGrp="1"/>
+          </p:cNvSpPr>
+          <p:nvPr>
+            <p:ph type="title"/>
+          </p:nvPr>
+        </p:nvSpPr>
+        <p:spPr/>
+        <p:txBody>
+          <a:bodyPr>
+            <a:normAutofit fontScale="90000"/>
+          </a:bodyPr>
+          <a:lstStyle/>
+          <a:p>
+            <a:r>
+              <a:rPr lang="en-US" dirty="0" smtClean="0"/>
+              <a:t>Charter 1: </a:t>
+            </a:r>
+            <a:r>
+              <a:rPr lang="en-US" dirty="0" err="1" smtClean="0"/>
+              <a:t>Mindmap</a:t>
+            </a:r>
+            <a:r>
+              <a:rPr lang="en-US" dirty="0" smtClean="0"/>
+              <a:t> of Features for Image Animator </a:t>
+            </a:r>
+            <a:endParaRPr lang="en-US" dirty="0"/>
+          </a:p>
+        </p:txBody>
+      </p:sp>
+      <p:sp>
+        <p:nvSpPr>
+          <p:cNvPr id="4" name="Content Placeholder 3"/>
+          <p:cNvSpPr>
+            <a:spLocks noGrp="1"/>
+          </p:cNvSpPr>
+          <p:nvPr>
+            <p:ph idx="1"/>
+          </p:nvPr>
+        </p:nvSpPr>
+        <p:spPr/>
+        <p:txBody>
+          <a:bodyPr>
+            <a:normAutofit lnSpcReduction="10000"/>
+          </a:bodyPr>
+          <a:lstStyle/>
+          <a:p>
+            <a:r>
+              <a:rPr lang="en-US" dirty="0" smtClean="0"/>
+              <a:t>Explore the product using </a:t>
+            </a:r>
+            <a:r>
+              <a:rPr lang="en-US" dirty="0" err="1" smtClean="0"/>
+              <a:t>mindmup.org</a:t>
+            </a:r>
+            <a:r>
+              <a:rPr lang="en-US" dirty="0" smtClean="0"/>
+              <a:t> to create an outline of functionalities to test in the application</a:t>
+            </a:r>
+          </a:p>
+          <a:p>
+            <a:r>
+              <a:rPr lang="en-US" dirty="0" smtClean="0"/>
+              <a:t>Sharing notes to learn to identify functionalities as an exploratory tester</a:t>
+            </a:r>
+          </a:p>
+          <a:p>
+            <a:endParaRPr lang="en-US" dirty="0"/>
+          </a:p>
+          <a:p>
+            <a:r>
+              <a:rPr lang="en-US" dirty="0"/>
+              <a:t>Test data to start from:</a:t>
+            </a:r>
+          </a:p>
+          <a:p>
+            <a:pPr lvl="1"/>
+            <a:r>
+              <a:rPr lang="en-US" dirty="0"/>
+              <a:t>In </a:t>
+            </a:r>
+            <a:r>
+              <a:rPr lang="en-US" dirty="0" err="1"/>
+              <a:t>darkFunction</a:t>
+            </a:r>
+            <a:r>
+              <a:rPr lang="en-US" dirty="0"/>
+              <a:t>-Editor/</a:t>
+            </a:r>
+            <a:r>
+              <a:rPr lang="en-US" dirty="0" err="1"/>
+              <a:t>TestingResources</a:t>
+            </a:r>
+            <a:r>
+              <a:rPr lang="en-US" dirty="0"/>
+              <a:t>/</a:t>
+            </a:r>
+            <a:r>
+              <a:rPr lang="en-US" dirty="0" err="1"/>
+              <a:t>StarWarsImages</a:t>
+            </a:r>
+            <a:r>
+              <a:rPr lang="en-US" dirty="0"/>
+              <a:t>/</a:t>
+            </a:r>
+            <a:r>
+              <a:rPr lang="en-US" dirty="0" err="1"/>
+              <a:t>SWAll.sprites</a:t>
+            </a:r>
+            <a:endParaRPr lang="en-US" dirty="0"/>
+          </a:p>
+          <a:p>
+            <a:endParaRPr lang="en-US" dirty="0"/>
+          </a:p>
+        </p:txBody>
+      </p:sp>
+    </p:spTree>
+    <p:extLst>
+      <p:ext uri="{BB962C8B-B14F-4D97-AF65-F5344CB8AC3E}">
+        <p14:creationId xmlns:p14="http://schemas.microsoft.com/office/powerpoint/2010/main" val="791163864"/>
+      </p:ext>
+    </p:extLst>
+  </p:cSld>
+  <p:clrMapOvr>
+    <a:masterClrMapping/>
+  </p:clrMapOvr>
+  <p:timing>
+    <p:tnLst>
+      <p:par>
+        <p:cTn xmlns:p14="http://schemas.microsoft.com/office/powerpoint/2010/main" id="1" dur="indefinite" restart="never" nodeType="tmRoot"/>
+      </p:par>
+    </p:tnLst>
+  </p:timing>
 </p:sld>
 </file>
 
@@ -3968,51 +5576,18 @@
         <a:srgbClr val="800080"/>
       </a:folHlink>
     </a:clrScheme>
-    <a:fontScheme name="Office">
+    <a:fontScheme name="Solstice">
       <a:majorFont>
-        <a:latin typeface="Calibri"/>
+        <a:latin typeface="Gill Sans MT"/>
         <a:ea typeface=""/>
         <a:cs typeface=""/>
-        <a:font script="Jpan" typeface="ＭＳ Ｐゴシック"/>
-        <a:font script="Hang" typeface="맑은 고딕"/>
-        <a:font script="Hans" typeface="宋体"/>
-        <a:font script="Hant" typeface="新細明體"/>
-        <a:font script="Arab" typeface="Times New Roman"/>
-        <a:font script="Hebr" typeface="Times New Roman"/>
-        <a:font script="Thai" typeface="Angsana New"/>
-        <a:font script="Ethi" typeface="Nyala"/>
-        <a:font script="Beng" typeface="Vrinda"/>
-        <a:font script="Gujr" typeface="Shruti"/>
-        <a:font script="Khmr" typeface="MoolBoran"/>
-        <a:font script="Knda" typeface="Tunga"/>
-        <a:font script="Guru" typeface="Raavi"/>
-        <a:font script="Cans" typeface="Euphemia"/>
-        <a:font script="Cher" typeface="Plantagenet Cherokee"/>
-        <a:font script="Yiii" typeface="Microsoft Yi Baiti"/>
-        <a:font script="Tibt" typeface="Microsoft Himalaya"/>
-        <a:font script="Thaa" typeface="MV Boli"/>
-        <a:font script="Deva" typeface="Mangal"/>
-        <a:font script="Telu" typeface="Gautami"/>
-        <a:font script="Taml" typeface="Latha"/>
-        <a:font script="Syrc" typeface="Estrangelo Edessa"/>
-        <a:font script="Orya" typeface="Kalinga"/>
-        <a:font script="Mlym" typeface="Kartika"/>
-        <a:font script="Laoo" typeface="DokChampa"/>
-        <a:font script="Sinh" typeface="Iskoola Pota"/>
-        <a:font script="Mong" typeface="Mongolian Baiti"/>
-        <a:font script="Viet" typeface="Times New Roman"/>
-        <a:font script="Uigh" typeface="Microsoft Uighur"/>
-        <a:font script="Geor" typeface="Sylfaen"/>
-      </a:majorFont>
-      <a:minorFont>
-        <a:latin typeface="Calibri"/>
-        <a:ea typeface=""/>
-        <a:cs typeface=""/>
-        <a:font script="Jpan" typeface="ＭＳ Ｐゴシック"/>
-        <a:font script="Hang" typeface="맑은 고딕"/>
-        <a:font script="Hans" typeface="宋体"/>
-        <a:font script="Hant" typeface="新細明體"/>
-        <a:font script="Arab" typeface="Arial"/>
+        <a:font script="Grek" typeface="Corbel"/>
+        <a:font script="Cyrl" typeface="Corbel"/>
+        <a:font script="Jpan" typeface="ＭＳ ゴシック"/>
+        <a:font script="Hang" typeface="휴먼매직체"/>
+        <a:font script="Hans" typeface="华文中宋"/>
+        <a:font script="Hant" typeface="微軟正黑體"/>
+        <a:font script="Arab" typeface="Majalla UI"/>
         <a:font script="Hebr" typeface="Arial"/>
         <a:font script="Thai" typeface="Cordia New"/>
         <a:font script="Ethi" typeface="Nyala"/>
@@ -4035,9 +5610,44 @@
         <a:font script="Laoo" typeface="DokChampa"/>
         <a:font script="Sinh" typeface="Iskoola Pota"/>
         <a:font script="Mong" typeface="Mongolian Baiti"/>
-        <a:font script="Viet" typeface="Arial"/>
+        <a:font script="Viet" typeface="Tahoma"/>
         <a:font script="Uigh" typeface="Microsoft Uighur"/>
-        <a:font script="Geor" typeface="Sylfaen"/>
+      </a:majorFont>
+      <a:minorFont>
+        <a:latin typeface="Gill Sans MT"/>
+        <a:ea typeface=""/>
+        <a:cs typeface=""/>
+        <a:font script="Grek" typeface="Corbel"/>
+        <a:font script="Cyrl" typeface="Corbel"/>
+        <a:font script="Jpan" typeface="ＭＳ ゴシック"/>
+        <a:font script="Hang" typeface="HY엽서L"/>
+        <a:font script="Hans" typeface="华文中宋"/>
+        <a:font script="Hant" typeface="微軟正黑體"/>
+        <a:font script="Arab" typeface="Majalla UI"/>
+        <a:font script="Hebr" typeface="Arial"/>
+        <a:font script="Thai" typeface="Cordia New"/>
+        <a:font script="Ethi" typeface="Nyala"/>
+        <a:font script="Beng" typeface="Vrinda"/>
+        <a:font script="Gujr" typeface="Shruti"/>
+        <a:font script="Khmr" typeface="DaunPenh"/>
+        <a:font script="Knda" typeface="Tunga"/>
+        <a:font script="Guru" typeface="Raavi"/>
+        <a:font script="Cans" typeface="Euphemia"/>
+        <a:font script="Cher" typeface="Plantagenet Cherokee"/>
+        <a:font script="Yiii" typeface="Microsoft Yi Baiti"/>
+        <a:font script="Tibt" typeface="Microsoft Himalaya"/>
+        <a:font script="Thaa" typeface="MV Boli"/>
+        <a:font script="Deva" typeface="Mangal"/>
+        <a:font script="Telu" typeface="Gautami"/>
+        <a:font script="Taml" typeface="Latha"/>
+        <a:font script="Syrc" typeface="Estrangelo Edessa"/>
+        <a:font script="Orya" typeface="Kalinga"/>
+        <a:font script="Mlym" typeface="Kartika"/>
+        <a:font script="Laoo" typeface="DokChampa"/>
+        <a:font script="Sinh" typeface="Iskoola Pota"/>
+        <a:font script="Mong" typeface="Mongolian Baiti"/>
+        <a:font script="Viet" typeface="Tahoma"/>
+        <a:font script="Uigh" typeface="Microsoft Uighur"/>
       </a:minorFont>
     </a:fontScheme>
     <a:fmtScheme name="Office">

--- a/Courseware/Slides.pptx
+++ b/Courseware/Slides.pptx
@@ -11,12 +11,13 @@
     <p:sldId id="263" r:id="rId5"/>
     <p:sldId id="264" r:id="rId6"/>
     <p:sldId id="260" r:id="rId7"/>
-    <p:sldId id="261" r:id="rId8"/>
-    <p:sldId id="266" r:id="rId9"/>
-    <p:sldId id="267" r:id="rId10"/>
-    <p:sldId id="268" r:id="rId11"/>
-    <p:sldId id="270" r:id="rId12"/>
-    <p:sldId id="269" r:id="rId13"/>
+    <p:sldId id="271" r:id="rId8"/>
+    <p:sldId id="261" r:id="rId9"/>
+    <p:sldId id="266" r:id="rId10"/>
+    <p:sldId id="267" r:id="rId11"/>
+    <p:sldId id="268" r:id="rId12"/>
+    <p:sldId id="270" r:id="rId13"/>
+    <p:sldId id="269" r:id="rId14"/>
   </p:sldIdLst>
   <p:sldSz cx="9144000" cy="6858000" type="screen4x3"/>
   <p:notesSz cx="6858000" cy="9144000"/>
@@ -299,7 +300,7 @@
           <a:p>
             <a:fld id="{8B4F63E6-11C5-EA4B-89F5-9A8FD5F78CD0}" type="datetimeFigureOut">
               <a:rPr lang="en-US" smtClean="0"/>
-              <a:t>24/05/15</a:t>
+              <a:t>25/05/15</a:t>
             </a:fld>
             <a:endParaRPr lang="en-US"/>
           </a:p>
@@ -469,7 +470,7 @@
           <a:p>
             <a:fld id="{8B4F63E6-11C5-EA4B-89F5-9A8FD5F78CD0}" type="datetimeFigureOut">
               <a:rPr lang="en-US" smtClean="0"/>
-              <a:t>24/05/15</a:t>
+              <a:t>25/05/15</a:t>
             </a:fld>
             <a:endParaRPr lang="en-US"/>
           </a:p>
@@ -649,7 +650,7 @@
           <a:p>
             <a:fld id="{8B4F63E6-11C5-EA4B-89F5-9A8FD5F78CD0}" type="datetimeFigureOut">
               <a:rPr lang="en-US" smtClean="0"/>
-              <a:t>24/05/15</a:t>
+              <a:t>25/05/15</a:t>
             </a:fld>
             <a:endParaRPr lang="en-US"/>
           </a:p>
@@ -819,7 +820,7 @@
           <a:p>
             <a:fld id="{8B4F63E6-11C5-EA4B-89F5-9A8FD5F78CD0}" type="datetimeFigureOut">
               <a:rPr lang="en-US" smtClean="0"/>
-              <a:t>24/05/15</a:t>
+              <a:t>25/05/15</a:t>
             </a:fld>
             <a:endParaRPr lang="en-US"/>
           </a:p>
@@ -1065,7 +1066,7 @@
           <a:p>
             <a:fld id="{8B4F63E6-11C5-EA4B-89F5-9A8FD5F78CD0}" type="datetimeFigureOut">
               <a:rPr lang="en-US" smtClean="0"/>
-              <a:t>24/05/15</a:t>
+              <a:t>25/05/15</a:t>
             </a:fld>
             <a:endParaRPr lang="en-US"/>
           </a:p>
@@ -1353,7 +1354,7 @@
           <a:p>
             <a:fld id="{8B4F63E6-11C5-EA4B-89F5-9A8FD5F78CD0}" type="datetimeFigureOut">
               <a:rPr lang="en-US" smtClean="0"/>
-              <a:t>24/05/15</a:t>
+              <a:t>25/05/15</a:t>
             </a:fld>
             <a:endParaRPr lang="en-US"/>
           </a:p>
@@ -1775,7 +1776,7 @@
           <a:p>
             <a:fld id="{8B4F63E6-11C5-EA4B-89F5-9A8FD5F78CD0}" type="datetimeFigureOut">
               <a:rPr lang="en-US" smtClean="0"/>
-              <a:t>24/05/15</a:t>
+              <a:t>25/05/15</a:t>
             </a:fld>
             <a:endParaRPr lang="en-US"/>
           </a:p>
@@ -1893,7 +1894,7 @@
           <a:p>
             <a:fld id="{8B4F63E6-11C5-EA4B-89F5-9A8FD5F78CD0}" type="datetimeFigureOut">
               <a:rPr lang="en-US" smtClean="0"/>
-              <a:t>24/05/15</a:t>
+              <a:t>25/05/15</a:t>
             </a:fld>
             <a:endParaRPr lang="en-US"/>
           </a:p>
@@ -1988,7 +1989,7 @@
           <a:p>
             <a:fld id="{8B4F63E6-11C5-EA4B-89F5-9A8FD5F78CD0}" type="datetimeFigureOut">
               <a:rPr lang="en-US" smtClean="0"/>
-              <a:t>24/05/15</a:t>
+              <a:t>25/05/15</a:t>
             </a:fld>
             <a:endParaRPr lang="en-US"/>
           </a:p>
@@ -2265,7 +2266,7 @@
           <a:p>
             <a:fld id="{8B4F63E6-11C5-EA4B-89F5-9A8FD5F78CD0}" type="datetimeFigureOut">
               <a:rPr lang="en-US" smtClean="0"/>
-              <a:t>24/05/15</a:t>
+              <a:t>25/05/15</a:t>
             </a:fld>
             <a:endParaRPr lang="en-US"/>
           </a:p>
@@ -2518,7 +2519,7 @@
           <a:p>
             <a:fld id="{8B4F63E6-11C5-EA4B-89F5-9A8FD5F78CD0}" type="datetimeFigureOut">
               <a:rPr lang="en-US" smtClean="0"/>
-              <a:t>24/05/15</a:t>
+              <a:t>25/05/15</a:t>
             </a:fld>
             <a:endParaRPr lang="en-US"/>
           </a:p>
@@ -2731,7 +2732,7 @@
           <a:p>
             <a:fld id="{8B4F63E6-11C5-EA4B-89F5-9A8FD5F78CD0}" type="datetimeFigureOut">
               <a:rPr lang="en-US" smtClean="0"/>
-              <a:t>24/05/15</a:t>
+              <a:t>25/05/15</a:t>
             </a:fld>
             <a:endParaRPr lang="en-US"/>
           </a:p>
@@ -3237,13 +3238,21 @@
         <p:spPr/>
         <p:txBody>
           <a:bodyPr>
-            <a:normAutofit/>
+            <a:normAutofit fontScale="90000"/>
           </a:bodyPr>
           <a:lstStyle/>
           <a:p>
             <a:r>
               <a:rPr lang="en-US" dirty="0" smtClean="0"/>
-              <a:t>Charter 1I: Find Bugs in a Feature</a:t>
+              <a:t>Charter 1: </a:t>
+            </a:r>
+            <a:r>
+              <a:rPr lang="en-US" dirty="0" err="1" smtClean="0"/>
+              <a:t>Mindmap</a:t>
+            </a:r>
+            <a:r>
+              <a:rPr lang="en-US" dirty="0" smtClean="0"/>
+              <a:t> of Features for Image Animator </a:t>
             </a:r>
             <a:endParaRPr lang="en-US" dirty="0"/>
           </a:p>
@@ -3261,19 +3270,76 @@
         </p:nvSpPr>
         <p:spPr/>
         <p:txBody>
-          <a:bodyPr/>
+          <a:bodyPr>
+            <a:normAutofit lnSpcReduction="10000"/>
+          </a:bodyPr>
           <a:lstStyle/>
           <a:p>
             <a:r>
               <a:rPr lang="en-US" dirty="0" smtClean="0"/>
-              <a:t>Explore a feature of choice to identify bugs as in “anything that might bug a user”</a:t>
-            </a:r>
-          </a:p>
-          <a:p>
+              <a:t>Explore the product using </a:t>
+            </a:r>
+            <a:r>
+              <a:rPr lang="en-US" dirty="0" err="1" smtClean="0"/>
+              <a:t>mindmup.org</a:t>
+            </a:r>
             <a:r>
               <a:rPr lang="en-US" dirty="0" smtClean="0"/>
-              <a:t>Report issues in “Bug database” on the wall</a:t>
-            </a:r>
+              <a:t> to create an outline of functionalities to test in the application</a:t>
+            </a:r>
+          </a:p>
+          <a:p>
+            <a:r>
+              <a:rPr lang="en-US" dirty="0" smtClean="0"/>
+              <a:t>Sharing notes to learn to identify functionalities as an exploratory tester</a:t>
+            </a:r>
+          </a:p>
+          <a:p>
+            <a:endParaRPr lang="en-US" dirty="0"/>
+          </a:p>
+          <a:p>
+            <a:r>
+              <a:rPr lang="en-US" dirty="0"/>
+              <a:t>Test data to start from:</a:t>
+            </a:r>
+          </a:p>
+          <a:p>
+            <a:pPr lvl="1"/>
+            <a:r>
+              <a:rPr lang="en-US" dirty="0"/>
+              <a:t>In </a:t>
+            </a:r>
+            <a:r>
+              <a:rPr lang="en-US" dirty="0" err="1"/>
+              <a:t>darkFunction</a:t>
+            </a:r>
+            <a:r>
+              <a:rPr lang="en-US" dirty="0"/>
+              <a:t>-Editor/</a:t>
+            </a:r>
+            <a:r>
+              <a:rPr lang="en-US" dirty="0" err="1"/>
+              <a:t>TestingResources</a:t>
+            </a:r>
+            <a:r>
+              <a:rPr lang="en-US" dirty="0"/>
+              <a:t>/</a:t>
+            </a:r>
+            <a:r>
+              <a:rPr lang="en-US" dirty="0" err="1"/>
+              <a:t>StarWarsImages</a:t>
+            </a:r>
+            <a:r>
+              <a:rPr lang="en-US" dirty="0"/>
+              <a:t>/</a:t>
+            </a:r>
+            <a:r>
+              <a:rPr lang="en-US" dirty="0" err="1"/>
+              <a:t>SWAll.sprites</a:t>
+            </a:r>
+            <a:endParaRPr lang="en-US" dirty="0"/>
+          </a:p>
+          <a:p>
             <a:endParaRPr lang="en-US" dirty="0"/>
           </a:p>
         </p:txBody>
@@ -3281,7 +3347,7 @@
     </p:spTree>
     <p:extLst>
       <p:ext uri="{BB962C8B-B14F-4D97-AF65-F5344CB8AC3E}">
-        <p14:creationId xmlns:p14="http://schemas.microsoft.com/office/powerpoint/2010/main" val="4146125420"/>
+        <p14:creationId xmlns:p14="http://schemas.microsoft.com/office/powerpoint/2010/main" val="791163864"/>
       </p:ext>
     </p:extLst>
   </p:cSld>
@@ -3334,6 +3400,97 @@
           <a:p>
             <a:r>
               <a:rPr lang="en-US" dirty="0" smtClean="0"/>
+              <a:t>Charter 1I: Find Bugs in a Feature</a:t>
+            </a:r>
+            <a:endParaRPr lang="en-US" dirty="0"/>
+          </a:p>
+        </p:txBody>
+      </p:sp>
+      <p:sp>
+        <p:nvSpPr>
+          <p:cNvPr id="4" name="Content Placeholder 3"/>
+          <p:cNvSpPr>
+            <a:spLocks noGrp="1"/>
+          </p:cNvSpPr>
+          <p:nvPr>
+            <p:ph idx="1"/>
+          </p:nvPr>
+        </p:nvSpPr>
+        <p:spPr/>
+        <p:txBody>
+          <a:bodyPr/>
+          <a:lstStyle/>
+          <a:p>
+            <a:r>
+              <a:rPr lang="en-US" dirty="0" smtClean="0"/>
+              <a:t>Explore a feature of choice to identify bugs as in “anything that might bug a user”</a:t>
+            </a:r>
+          </a:p>
+          <a:p>
+            <a:r>
+              <a:rPr lang="en-US" dirty="0" smtClean="0"/>
+              <a:t>Report issues in “Bug database” on the wall</a:t>
+            </a:r>
+            <a:endParaRPr lang="en-US" dirty="0"/>
+          </a:p>
+        </p:txBody>
+      </p:sp>
+    </p:spTree>
+    <p:extLst>
+      <p:ext uri="{BB962C8B-B14F-4D97-AF65-F5344CB8AC3E}">
+        <p14:creationId xmlns:p14="http://schemas.microsoft.com/office/powerpoint/2010/main" val="4146125420"/>
+      </p:ext>
+    </p:extLst>
+  </p:cSld>
+  <p:clrMapOvr>
+    <a:masterClrMapping/>
+  </p:clrMapOvr>
+  <p:timing>
+    <p:tnLst>
+      <p:par>
+        <p:cTn xmlns:p14="http://schemas.microsoft.com/office/powerpoint/2010/main" id="1" dur="indefinite" restart="never" nodeType="tmRoot"/>
+      </p:par>
+    </p:tnLst>
+  </p:timing>
+</p:sld>
+</file>
+
+<file path=ppt/slides/slide12.xml><?xml version="1.0" encoding="utf-8"?>
+<p:sld xmlns:a="http://schemas.openxmlformats.org/drawingml/2006/main" xmlns:r="http://schemas.openxmlformats.org/officeDocument/2006/relationships" xmlns:p="http://schemas.openxmlformats.org/presentationml/2006/main">
+  <p:cSld>
+    <p:spTree>
+      <p:nvGrpSpPr>
+        <p:cNvPr id="1" name=""/>
+        <p:cNvGrpSpPr/>
+        <p:nvPr/>
+      </p:nvGrpSpPr>
+      <p:grpSpPr>
+        <a:xfrm>
+          <a:off x="0" y="0"/>
+          <a:ext cx="0" cy="0"/>
+          <a:chOff x="0" y="0"/>
+          <a:chExt cx="0" cy="0"/>
+        </a:xfrm>
+      </p:grpSpPr>
+      <p:sp>
+        <p:nvSpPr>
+          <p:cNvPr id="3" name="Title 2"/>
+          <p:cNvSpPr>
+            <a:spLocks noGrp="1"/>
+          </p:cNvSpPr>
+          <p:nvPr>
+            <p:ph type="title"/>
+          </p:nvPr>
+        </p:nvSpPr>
+        <p:spPr/>
+        <p:txBody>
+          <a:bodyPr>
+            <a:normAutofit/>
+          </a:bodyPr>
+          <a:lstStyle/>
+          <a:p>
+            <a:r>
+              <a:rPr lang="en-US" dirty="0" smtClean="0"/>
               <a:t>Charter III: Exploring Code</a:t>
             </a:r>
             <a:endParaRPr lang="en-US" dirty="0"/>
@@ -3402,7 +3559,7 @@
 </p:sld>
 </file>
 
-<file path=ppt/slides/slide12.xml><?xml version="1.0" encoding="utf-8"?>
+<file path=ppt/slides/slide13.xml><?xml version="1.0" encoding="utf-8"?>
 <p:sld xmlns:a="http://schemas.openxmlformats.org/drawingml/2006/main" xmlns:r="http://schemas.openxmlformats.org/officeDocument/2006/relationships" xmlns:p="http://schemas.openxmlformats.org/presentationml/2006/main">
   <p:cSld>
     <p:spTree>
@@ -4851,6 +5008,125 @@
       </p:grpSpPr>
       <p:sp>
         <p:nvSpPr>
+          <p:cNvPr id="2" name="Title 1"/>
+          <p:cNvSpPr>
+            <a:spLocks noGrp="1"/>
+          </p:cNvSpPr>
+          <p:nvPr>
+            <p:ph type="title"/>
+          </p:nvPr>
+        </p:nvSpPr>
+        <p:spPr/>
+        <p:txBody>
+          <a:bodyPr/>
+          <a:lstStyle/>
+          <a:p>
+            <a:r>
+              <a:rPr lang="en-US" dirty="0" smtClean="0"/>
+              <a:t>Getting the Software to Test</a:t>
+            </a:r>
+            <a:endParaRPr lang="en-US" dirty="0"/>
+          </a:p>
+        </p:txBody>
+      </p:sp>
+      <p:sp>
+        <p:nvSpPr>
+          <p:cNvPr id="3" name="Content Placeholder 2"/>
+          <p:cNvSpPr>
+            <a:spLocks noGrp="1"/>
+          </p:cNvSpPr>
+          <p:nvPr>
+            <p:ph idx="1"/>
+          </p:nvPr>
+        </p:nvSpPr>
+        <p:spPr/>
+        <p:txBody>
+          <a:bodyPr/>
+          <a:lstStyle/>
+          <a:p>
+            <a:r>
+              <a:rPr lang="en-US" dirty="0">
+                <a:hlinkClick r:id="rId2"/>
+              </a:rPr>
+              <a:t>http://darkfunction.com/editor</a:t>
+            </a:r>
+            <a:r>
+              <a:rPr lang="en-US" dirty="0" smtClean="0">
+                <a:hlinkClick r:id="rId2"/>
+              </a:rPr>
+              <a:t>/</a:t>
+            </a:r>
+            <a:endParaRPr lang="en-US" dirty="0" smtClean="0"/>
+          </a:p>
+          <a:p>
+            <a:pPr marL="0" indent="0">
+              <a:buNone/>
+            </a:pPr>
+            <a:r>
+              <a:rPr lang="en-US" dirty="0" smtClean="0">
+                <a:sym typeface="Wingdings"/>
+              </a:rPr>
+              <a:t> Download the jar</a:t>
+            </a:r>
+          </a:p>
+          <a:p>
+            <a:r>
+              <a:rPr lang="en-US" dirty="0">
+                <a:hlinkClick r:id="rId3"/>
+              </a:rPr>
+              <a:t>http://lfal.co/</a:t>
+            </a:r>
+            <a:r>
+              <a:rPr lang="en-US" dirty="0" smtClean="0">
+                <a:hlinkClick r:id="rId3"/>
+              </a:rPr>
+              <a:t>DfExamples</a:t>
+            </a:r>
+            <a:endParaRPr lang="en-US" dirty="0" smtClean="0"/>
+          </a:p>
+          <a:p>
+            <a:r>
+              <a:rPr lang="en-US" dirty="0" smtClean="0">
+                <a:sym typeface="Wingdings"/>
+              </a:rPr>
+              <a:t> Download as zip</a:t>
+            </a:r>
+            <a:endParaRPr lang="en-US" dirty="0"/>
+          </a:p>
+        </p:txBody>
+      </p:sp>
+    </p:spTree>
+    <p:extLst>
+      <p:ext uri="{BB962C8B-B14F-4D97-AF65-F5344CB8AC3E}">
+        <p14:creationId xmlns:p14="http://schemas.microsoft.com/office/powerpoint/2010/main" val="314291781"/>
+      </p:ext>
+    </p:extLst>
+  </p:cSld>
+  <p:clrMapOvr>
+    <a:masterClrMapping/>
+  </p:clrMapOvr>
+</p:sld>
+</file>
+
+<file path=ppt/slides/slide8.xml><?xml version="1.0" encoding="utf-8"?>
+<p:sld xmlns:a="http://schemas.openxmlformats.org/drawingml/2006/main" xmlns:r="http://schemas.openxmlformats.org/officeDocument/2006/relationships" xmlns:p="http://schemas.openxmlformats.org/presentationml/2006/main">
+  <p:cSld>
+    <p:spTree>
+      <p:nvGrpSpPr>
+        <p:cNvPr id="1" name=""/>
+        <p:cNvGrpSpPr/>
+        <p:nvPr/>
+      </p:nvGrpSpPr>
+      <p:grpSpPr>
+        <a:xfrm>
+          <a:off x="0" y="0"/>
+          <a:ext cx="0" cy="0"/>
+          <a:chOff x="0" y="0"/>
+          <a:chExt cx="0" cy="0"/>
+        </a:xfrm>
+      </p:grpSpPr>
+      <p:sp>
+        <p:nvSpPr>
           <p:cNvPr id="4" name="Title 3"/>
           <p:cNvSpPr>
             <a:spLocks noGrp="1"/>
@@ -4923,11 +5199,7 @@
             <a:pPr lvl="1"/>
             <a:r>
               <a:rPr lang="en-US" sz="3600" dirty="0" smtClean="0"/>
-              <a:t>Run (Ctrl+F11</a:t>
-            </a:r>
-            <a:r>
-              <a:rPr lang="en-US" sz="3600" dirty="0" smtClean="0"/>
-              <a:t>)</a:t>
+              <a:t>Run (Ctrl+F11)</a:t>
             </a:r>
           </a:p>
           <a:p>
@@ -5105,7 +5377,7 @@
 </p:sld>
 </file>
 
-<file path=ppt/slides/slide8.xml><?xml version="1.0" encoding="utf-8"?>
+<file path=ppt/slides/slide9.xml><?xml version="1.0" encoding="utf-8"?>
 <p:sld xmlns:a="http://schemas.openxmlformats.org/drawingml/2006/main" xmlns:r="http://schemas.openxmlformats.org/officeDocument/2006/relationships" xmlns:p="http://schemas.openxmlformats.org/presentationml/2006/main">
   <p:cSld>
     <p:spTree>
@@ -5311,7 +5583,6 @@
               <a:rPr lang="en-US" sz="3200" b="1" dirty="0" smtClean="0"/>
               <a:t>Llewellyn Falco</a:t>
             </a:r>
-            <a:endParaRPr lang="en-US" sz="3200" b="1" dirty="0" smtClean="0"/>
           </a:p>
           <a:p>
             <a:r>
@@ -5327,11 +5598,7 @@
           <a:p>
             <a:r>
               <a:rPr lang="en-US" sz="3200" dirty="0" smtClean="0"/>
-              <a:t>Twitter: </a:t>
-            </a:r>
-            <a:r>
-              <a:rPr lang="en-US" sz="3200" dirty="0" smtClean="0"/>
-              <a:t>@</a:t>
+              <a:t>Twitter: @</a:t>
             </a:r>
             <a:r>
               <a:rPr lang="en-US" sz="3200" dirty="0" err="1" smtClean="0"/>
@@ -5346,11 +5613,7 @@
             </a:r>
             <a:r>
               <a:rPr lang="en-US" sz="3200" dirty="0" err="1" smtClean="0"/>
-              <a:t>llewellynfalco</a:t>
-            </a:r>
-            <a:r>
-              <a:rPr lang="en-US" sz="3200" dirty="0" err="1" smtClean="0"/>
-              <a:t>.blogspot.com</a:t>
+              <a:t>llewellynfalco.blogspot.com</a:t>
             </a:r>
             <a:endParaRPr lang="en-US" sz="3200" dirty="0" smtClean="0"/>
           </a:p>
@@ -5363,162 +5626,6 @@
     <p:extLst>
       <p:ext uri="{BB962C8B-B14F-4D97-AF65-F5344CB8AC3E}">
         <p14:creationId xmlns:p14="http://schemas.microsoft.com/office/powerpoint/2010/main" val="2430598829"/>
-      </p:ext>
-    </p:extLst>
-  </p:cSld>
-  <p:clrMapOvr>
-    <a:masterClrMapping/>
-  </p:clrMapOvr>
-  <p:timing>
-    <p:tnLst>
-      <p:par>
-        <p:cTn xmlns:p14="http://schemas.microsoft.com/office/powerpoint/2010/main" id="1" dur="indefinite" restart="never" nodeType="tmRoot"/>
-      </p:par>
-    </p:tnLst>
-  </p:timing>
-</p:sld>
-</file>
-
-<file path=ppt/slides/slide9.xml><?xml version="1.0" encoding="utf-8"?>
-<p:sld xmlns:a="http://schemas.openxmlformats.org/drawingml/2006/main" xmlns:r="http://schemas.openxmlformats.org/officeDocument/2006/relationships" xmlns:p="http://schemas.openxmlformats.org/presentationml/2006/main">
-  <p:cSld>
-    <p:spTree>
-      <p:nvGrpSpPr>
-        <p:cNvPr id="1" name=""/>
-        <p:cNvGrpSpPr/>
-        <p:nvPr/>
-      </p:nvGrpSpPr>
-      <p:grpSpPr>
-        <a:xfrm>
-          <a:off x="0" y="0"/>
-          <a:ext cx="0" cy="0"/>
-          <a:chOff x="0" y="0"/>
-          <a:chExt cx="0" cy="0"/>
-        </a:xfrm>
-      </p:grpSpPr>
-      <p:sp>
-        <p:nvSpPr>
-          <p:cNvPr id="3" name="Title 2"/>
-          <p:cNvSpPr>
-            <a:spLocks noGrp="1"/>
-          </p:cNvSpPr>
-          <p:nvPr>
-            <p:ph type="title"/>
-          </p:nvPr>
-        </p:nvSpPr>
-        <p:spPr/>
-        <p:txBody>
-          <a:bodyPr>
-            <a:normAutofit fontScale="90000"/>
-          </a:bodyPr>
-          <a:lstStyle/>
-          <a:p>
-            <a:r>
-              <a:rPr lang="en-US" dirty="0" smtClean="0"/>
-              <a:t>Charter 1: </a:t>
-            </a:r>
-            <a:r>
-              <a:rPr lang="en-US" dirty="0" err="1" smtClean="0"/>
-              <a:t>Mindmap</a:t>
-            </a:r>
-            <a:r>
-              <a:rPr lang="en-US" dirty="0" smtClean="0"/>
-              <a:t> of Features for Image Animator </a:t>
-            </a:r>
-            <a:endParaRPr lang="en-US" dirty="0"/>
-          </a:p>
-        </p:txBody>
-      </p:sp>
-      <p:sp>
-        <p:nvSpPr>
-          <p:cNvPr id="4" name="Content Placeholder 3"/>
-          <p:cNvSpPr>
-            <a:spLocks noGrp="1"/>
-          </p:cNvSpPr>
-          <p:nvPr>
-            <p:ph idx="1"/>
-          </p:nvPr>
-        </p:nvSpPr>
-        <p:spPr/>
-        <p:txBody>
-          <a:bodyPr>
-            <a:normAutofit lnSpcReduction="10000"/>
-          </a:bodyPr>
-          <a:lstStyle/>
-          <a:p>
-            <a:r>
-              <a:rPr lang="en-US" dirty="0" smtClean="0"/>
-              <a:t>Explore the product using </a:t>
-            </a:r>
-            <a:r>
-              <a:rPr lang="en-US" dirty="0" err="1" smtClean="0"/>
-              <a:t>mindmup.org</a:t>
-            </a:r>
-            <a:r>
-              <a:rPr lang="en-US" dirty="0" smtClean="0"/>
-              <a:t> to create an outline of functionalities to test in the application</a:t>
-            </a:r>
-          </a:p>
-          <a:p>
-            <a:r>
-              <a:rPr lang="en-US" dirty="0" smtClean="0"/>
-              <a:t>Sharing notes to learn to identify functionalities as an exploratory tester</a:t>
-            </a:r>
-          </a:p>
-          <a:p>
-            <a:endParaRPr lang="en-US" dirty="0"/>
-          </a:p>
-          <a:p>
-            <a:r>
-              <a:rPr lang="en-US" dirty="0"/>
-              <a:t>Test data to start from:</a:t>
-            </a:r>
-          </a:p>
-          <a:p>
-            <a:pPr lvl="1"/>
-            <a:r>
-              <a:rPr lang="en-US" dirty="0"/>
-              <a:t>In </a:t>
-            </a:r>
-            <a:r>
-              <a:rPr lang="en-US" dirty="0" err="1"/>
-              <a:t>darkFunction</a:t>
-            </a:r>
-            <a:r>
-              <a:rPr lang="en-US" dirty="0"/>
-              <a:t>-Editor/</a:t>
-            </a:r>
-            <a:r>
-              <a:rPr lang="en-US" dirty="0" err="1"/>
-              <a:t>TestingResources</a:t>
-            </a:r>
-            <a:r>
-              <a:rPr lang="en-US" dirty="0"/>
-              <a:t>/</a:t>
-            </a:r>
-            <a:r>
-              <a:rPr lang="en-US" dirty="0" err="1"/>
-              <a:t>StarWarsImages</a:t>
-            </a:r>
-            <a:r>
-              <a:rPr lang="en-US" dirty="0"/>
-              <a:t>/</a:t>
-            </a:r>
-            <a:r>
-              <a:rPr lang="en-US" dirty="0" err="1"/>
-              <a:t>SWAll.sprites</a:t>
-            </a:r>
-            <a:endParaRPr lang="en-US" dirty="0"/>
-          </a:p>
-          <a:p>
-            <a:endParaRPr lang="en-US" dirty="0"/>
-          </a:p>
-        </p:txBody>
-      </p:sp>
-    </p:spTree>
-    <p:extLst>
-      <p:ext uri="{BB962C8B-B14F-4D97-AF65-F5344CB8AC3E}">
-        <p14:creationId xmlns:p14="http://schemas.microsoft.com/office/powerpoint/2010/main" val="791163864"/>
       </p:ext>
     </p:extLst>
   </p:cSld>
